--- a/Capstone Presentation Format Ver 1.0.pptx
+++ b/Capstone Presentation Format Ver 1.0.pptx
@@ -10,19 +10,21 @@
     <p:sldId id="258" r:id="rId4"/>
     <p:sldId id="260" r:id="rId5"/>
     <p:sldId id="261" r:id="rId6"/>
-    <p:sldId id="263" r:id="rId7"/>
-    <p:sldId id="273" r:id="rId8"/>
-    <p:sldId id="266" r:id="rId9"/>
-    <p:sldId id="276" r:id="rId10"/>
-    <p:sldId id="272" r:id="rId11"/>
-    <p:sldId id="268" r:id="rId12"/>
-    <p:sldId id="269" r:id="rId13"/>
-    <p:sldId id="270" r:id="rId14"/>
-    <p:sldId id="274" r:id="rId15"/>
-    <p:sldId id="275" r:id="rId16"/>
-    <p:sldId id="278" r:id="rId17"/>
+    <p:sldId id="280" r:id="rId7"/>
+    <p:sldId id="263" r:id="rId8"/>
+    <p:sldId id="273" r:id="rId9"/>
+    <p:sldId id="266" r:id="rId10"/>
+    <p:sldId id="276" r:id="rId11"/>
+    <p:sldId id="281" r:id="rId12"/>
+    <p:sldId id="272" r:id="rId13"/>
+    <p:sldId id="268" r:id="rId14"/>
+    <p:sldId id="269" r:id="rId15"/>
+    <p:sldId id="270" r:id="rId16"/>
+    <p:sldId id="274" r:id="rId17"/>
     <p:sldId id="279" r:id="rId18"/>
-    <p:sldId id="277" r:id="rId19"/>
+    <p:sldId id="275" r:id="rId19"/>
+    <p:sldId id="278" r:id="rId20"/>
+    <p:sldId id="277" r:id="rId21"/>
   </p:sldIdLst>
   <p:sldSz cx="12192000" cy="6858000"/>
   <p:notesSz cx="6858000" cy="9144000"/>
@@ -278,7 +280,7 @@
           <a:p>
             <a:fld id="{6D3052E0-193B-4471-BAD0-B156ECCE0645}" type="datetimeFigureOut">
               <a:rPr lang="en-IN" smtClean="0"/>
-              <a:t>28-04-2023</a:t>
+              <a:t>09-05-2023</a:t>
             </a:fld>
             <a:endParaRPr lang="en-IN"/>
           </a:p>
@@ -478,7 +480,7 @@
           <a:p>
             <a:fld id="{6D3052E0-193B-4471-BAD0-B156ECCE0645}" type="datetimeFigureOut">
               <a:rPr lang="en-IN" smtClean="0"/>
-              <a:t>28-04-2023</a:t>
+              <a:t>09-05-2023</a:t>
             </a:fld>
             <a:endParaRPr lang="en-IN"/>
           </a:p>
@@ -688,7 +690,7 @@
           <a:p>
             <a:fld id="{6D3052E0-193B-4471-BAD0-B156ECCE0645}" type="datetimeFigureOut">
               <a:rPr lang="en-IN" smtClean="0"/>
-              <a:t>28-04-2023</a:t>
+              <a:t>09-05-2023</a:t>
             </a:fld>
             <a:endParaRPr lang="en-IN"/>
           </a:p>
@@ -888,7 +890,7 @@
           <a:p>
             <a:fld id="{6D3052E0-193B-4471-BAD0-B156ECCE0645}" type="datetimeFigureOut">
               <a:rPr lang="en-IN" smtClean="0"/>
-              <a:t>28-04-2023</a:t>
+              <a:t>09-05-2023</a:t>
             </a:fld>
             <a:endParaRPr lang="en-IN"/>
           </a:p>
@@ -1164,7 +1166,7 @@
           <a:p>
             <a:fld id="{6D3052E0-193B-4471-BAD0-B156ECCE0645}" type="datetimeFigureOut">
               <a:rPr lang="en-IN" smtClean="0"/>
-              <a:t>28-04-2023</a:t>
+              <a:t>09-05-2023</a:t>
             </a:fld>
             <a:endParaRPr lang="en-IN"/>
           </a:p>
@@ -1432,7 +1434,7 @@
           <a:p>
             <a:fld id="{6D3052E0-193B-4471-BAD0-B156ECCE0645}" type="datetimeFigureOut">
               <a:rPr lang="en-IN" smtClean="0"/>
-              <a:t>28-04-2023</a:t>
+              <a:t>09-05-2023</a:t>
             </a:fld>
             <a:endParaRPr lang="en-IN"/>
           </a:p>
@@ -1847,7 +1849,7 @@
           <a:p>
             <a:fld id="{6D3052E0-193B-4471-BAD0-B156ECCE0645}" type="datetimeFigureOut">
               <a:rPr lang="en-IN" smtClean="0"/>
-              <a:t>28-04-2023</a:t>
+              <a:t>09-05-2023</a:t>
             </a:fld>
             <a:endParaRPr lang="en-IN"/>
           </a:p>
@@ -1989,7 +1991,7 @@
           <a:p>
             <a:fld id="{6D3052E0-193B-4471-BAD0-B156ECCE0645}" type="datetimeFigureOut">
               <a:rPr lang="en-IN" smtClean="0"/>
-              <a:t>28-04-2023</a:t>
+              <a:t>09-05-2023</a:t>
             </a:fld>
             <a:endParaRPr lang="en-IN"/>
           </a:p>
@@ -2102,7 +2104,7 @@
           <a:p>
             <a:fld id="{6D3052E0-193B-4471-BAD0-B156ECCE0645}" type="datetimeFigureOut">
               <a:rPr lang="en-IN" smtClean="0"/>
-              <a:t>28-04-2023</a:t>
+              <a:t>09-05-2023</a:t>
             </a:fld>
             <a:endParaRPr lang="en-IN"/>
           </a:p>
@@ -2415,7 +2417,7 @@
           <a:p>
             <a:fld id="{6D3052E0-193B-4471-BAD0-B156ECCE0645}" type="datetimeFigureOut">
               <a:rPr lang="en-IN" smtClean="0"/>
-              <a:t>28-04-2023</a:t>
+              <a:t>09-05-2023</a:t>
             </a:fld>
             <a:endParaRPr lang="en-IN"/>
           </a:p>
@@ -2708,7 +2710,7 @@
           <a:p>
             <a:fld id="{6D3052E0-193B-4471-BAD0-B156ECCE0645}" type="datetimeFigureOut">
               <a:rPr lang="en-IN" smtClean="0"/>
-              <a:t>28-04-2023</a:t>
+              <a:t>09-05-2023</a:t>
             </a:fld>
             <a:endParaRPr lang="en-IN"/>
           </a:p>
@@ -2951,7 +2953,7 @@
           <a:p>
             <a:fld id="{6D3052E0-193B-4471-BAD0-B156ECCE0645}" type="datetimeFigureOut">
               <a:rPr lang="en-IN" smtClean="0"/>
-              <a:t>28-04-2023</a:t>
+              <a:t>09-05-2023</a:t>
             </a:fld>
             <a:endParaRPr lang="en-IN"/>
           </a:p>
@@ -3691,22 +3693,7 @@
                 <a:latin typeface="Times New Roman" panose="02020603050405020304" pitchFamily="18" charset="0"/>
                 <a:ea typeface="Arial" panose="020B0604020202020204" pitchFamily="34" charset="0"/>
               </a:rPr>
-              <a:t>Date: </a:t>
-            </a:r>
-            <a:r>
-              <a:rPr lang="en-IN" b="1" dirty="0">
-                <a:latin typeface="Times New Roman" panose="02020603050405020304" pitchFamily="18" charset="0"/>
-                <a:ea typeface="Arial" panose="020B0604020202020204" pitchFamily="34" charset="0"/>
-              </a:rPr>
-              <a:t>28</a:t>
-            </a:r>
-            <a:r>
-              <a:rPr lang="en-IN" sz="1800" b="1" dirty="0">
-                <a:effectLst/>
-                <a:latin typeface="Times New Roman" panose="02020603050405020304" pitchFamily="18" charset="0"/>
-                <a:ea typeface="Arial" panose="020B0604020202020204" pitchFamily="34" charset="0"/>
-              </a:rPr>
-              <a:t>/04/2023</a:t>
+              <a:t>Date: 02/05/2023</a:t>
             </a:r>
             <a:endParaRPr lang="en-IN" sz="1050" dirty="0">
               <a:effectLst/>
@@ -3904,7 +3891,7 @@
                 </a:solidFill>
                 <a:latin typeface="Times New Roman" panose="02020603050405020304" pitchFamily="18" charset="0"/>
               </a:rPr>
-              <a:t>Conclusion</a:t>
+              <a:t>Deployment</a:t>
             </a:r>
           </a:p>
         </p:txBody>
@@ -3914,7 +3901,7 @@
           <p:cNvPr id="7" name="TextBox 6">
             <a:extLst>
               <a:ext uri="{FF2B5EF4-FFF2-40B4-BE49-F238E27FC236}">
-                <a16:creationId xmlns:a16="http://schemas.microsoft.com/office/drawing/2014/main" id="{B4E07FE1-E878-E386-9DF4-34E931415690}"/>
+                <a16:creationId xmlns:a16="http://schemas.microsoft.com/office/drawing/2014/main" id="{4E34D14B-9278-1F90-25E3-1FABACE2AC59}"/>
               </a:ext>
             </a:extLst>
           </p:cNvPr>
@@ -3923,8 +3910,8 @@
         </p:nvSpPr>
         <p:spPr>
           <a:xfrm>
-            <a:off x="490219" y="1349647"/>
-            <a:ext cx="10689963" cy="3815403"/>
+            <a:off x="490220" y="1349647"/>
+            <a:ext cx="5026660" cy="318998"/>
           </a:xfrm>
           <a:prstGeom prst="rect">
             <a:avLst/>
@@ -3936,45 +3923,6 @@
             <a:spAutoFit/>
           </a:bodyPr>
           <a:lstStyle/>
-          <a:p>
-            <a:pPr marL="342900" indent="-342900" algn="just">
-              <a:lnSpc>
-                <a:spcPct val="115000"/>
-              </a:lnSpc>
-              <a:buFont typeface="Wingdings" panose="05000000000000000000" pitchFamily="2" charset="2"/>
-              <a:buChar char="Ø"/>
-            </a:pPr>
-            <a:r>
-              <a:rPr lang="en-IN" sz="2000" b="1" dirty="0">
-                <a:effectLst/>
-                <a:latin typeface="Times New Roman" panose="02020603050405020304" pitchFamily="18" charset="0"/>
-                <a:ea typeface="Arial" panose="020B0604020202020204" pitchFamily="34" charset="0"/>
-              </a:rPr>
-              <a:t>From the following slides we can Conclude that </a:t>
-            </a:r>
-            <a:r>
-              <a:rPr lang="en-IN" sz="2000" b="1" dirty="0">
-                <a:latin typeface="Times New Roman" panose="02020603050405020304" pitchFamily="18" charset="0"/>
-                <a:ea typeface="Arial" panose="020B0604020202020204" pitchFamily="34" charset="0"/>
-              </a:rPr>
-              <a:t>my</a:t>
-            </a:r>
-            <a:r>
-              <a:rPr lang="en-IN" sz="2000" b="1" dirty="0">
-                <a:effectLst/>
-                <a:latin typeface="Times New Roman" panose="02020603050405020304" pitchFamily="18" charset="0"/>
-                <a:ea typeface="Arial" panose="020B0604020202020204" pitchFamily="34" charset="0"/>
-              </a:rPr>
-              <a:t> project successfully achieved the goal of creating a RESTFUL web service that can fetch the information  of particular employee based on </a:t>
-            </a:r>
-            <a:r>
-              <a:rPr lang="en-IN" sz="2000" b="1" dirty="0">
-                <a:latin typeface="Times New Roman" panose="02020603050405020304" pitchFamily="18" charset="0"/>
-                <a:ea typeface="Arial" panose="020B0604020202020204" pitchFamily="34" charset="0"/>
-              </a:rPr>
-              <a:t>Id.</a:t>
-            </a:r>
-          </a:p>
           <a:p>
             <a:pPr algn="just">
               <a:lnSpc>
@@ -3983,78 +3931,88 @@
             </a:pPr>
             <a:endParaRPr lang="en-IN" sz="1400" dirty="0">
               <a:effectLst/>
-              <a:latin typeface="Times New Roman" panose="02020603050405020304" pitchFamily="18" charset="0"/>
-              <a:ea typeface="Arial" panose="020B0604020202020204" pitchFamily="34" charset="0"/>
-            </a:endParaRPr>
-          </a:p>
-          <a:p>
-            <a:pPr algn="just">
-              <a:lnSpc>
-                <a:spcPct val="115000"/>
-              </a:lnSpc>
-            </a:pPr>
-            <a:endParaRPr lang="en-IN" sz="1400" dirty="0">
-              <a:latin typeface="Times New Roman" panose="02020603050405020304" pitchFamily="18" charset="0"/>
-              <a:ea typeface="Arial" panose="020B0604020202020204" pitchFamily="34" charset="0"/>
-            </a:endParaRPr>
-          </a:p>
-          <a:p>
-            <a:pPr marL="342900" indent="-342900" algn="just">
-              <a:lnSpc>
-                <a:spcPct val="115000"/>
-              </a:lnSpc>
-              <a:buFont typeface="Wingdings" panose="05000000000000000000" pitchFamily="2" charset="2"/>
-              <a:buChar char="Ø"/>
-            </a:pPr>
-            <a:r>
-              <a:rPr lang="en-IN" sz="2400" b="1" u="sng" dirty="0">
-                <a:effectLst/>
-                <a:latin typeface="Times New Roman" panose="02020603050405020304" pitchFamily="18" charset="0"/>
-                <a:ea typeface="Arial" panose="020B0604020202020204" pitchFamily="34" charset="0"/>
-              </a:rPr>
-              <a:t>Challenges:-</a:t>
-            </a:r>
-          </a:p>
-          <a:p>
-            <a:pPr algn="just">
-              <a:lnSpc>
-                <a:spcPct val="115000"/>
-              </a:lnSpc>
-            </a:pPr>
-            <a:r>
-              <a:rPr lang="en-IN" sz="2000" b="1" dirty="0">
-                <a:latin typeface="Times New Roman" panose="02020603050405020304" pitchFamily="18" charset="0"/>
-                <a:ea typeface="Arial" panose="020B0604020202020204" pitchFamily="34" charset="0"/>
-              </a:rPr>
-              <a:t>          During the deployment process I had got up to many challenges the crashing up of ports and not allowing the image to pull  as it was saying the “existing port” is already in use. After deployment the port pods were getting crashed again and again.</a:t>
-            </a:r>
-          </a:p>
-          <a:p>
-            <a:pPr algn="just">
-              <a:lnSpc>
-                <a:spcPct val="115000"/>
-              </a:lnSpc>
-            </a:pPr>
-            <a:r>
-              <a:rPr lang="en-IN" sz="2000" b="1" dirty="0">
-                <a:effectLst/>
-                <a:latin typeface="Times New Roman" panose="02020603050405020304" pitchFamily="18" charset="0"/>
-                <a:ea typeface="Arial" panose="020B0604020202020204" pitchFamily="34" charset="0"/>
-              </a:rPr>
-              <a:t>          After the deployment the “communication link failure” was the error in logs of an instance of service. This all were the challenges I have faced during the project.</a:t>
-            </a:r>
-            <a:endParaRPr lang="en-IN" sz="2000" b="1" dirty="0">
-              <a:effectLst/>
               <a:latin typeface="Arial" panose="020B0604020202020204" pitchFamily="34" charset="0"/>
               <a:ea typeface="Arial" panose="020B0604020202020204" pitchFamily="34" charset="0"/>
             </a:endParaRPr>
           </a:p>
         </p:txBody>
       </p:sp>
+      <p:sp>
+        <p:nvSpPr>
+          <p:cNvPr id="2" name="TextBox 1">
+            <a:extLst>
+              <a:ext uri="{FF2B5EF4-FFF2-40B4-BE49-F238E27FC236}">
+                <a16:creationId xmlns:a16="http://schemas.microsoft.com/office/drawing/2014/main" id="{A3181E57-841F-4812-3551-80AF4974A4AC}"/>
+              </a:ext>
+            </a:extLst>
+          </p:cNvPr>
+          <p:cNvSpPr txBox="1"/>
+          <p:nvPr/>
+        </p:nvSpPr>
+        <p:spPr>
+          <a:xfrm>
+            <a:off x="367553" y="950259"/>
+            <a:ext cx="8444752" cy="584775"/>
+          </a:xfrm>
+          <a:prstGeom prst="rect">
+            <a:avLst/>
+          </a:prstGeom>
+          <a:noFill/>
+        </p:spPr>
+        <p:txBody>
+          <a:bodyPr wrap="square" rtlCol="0">
+            <a:spAutoFit/>
+          </a:bodyPr>
+          <a:lstStyle/>
+          <a:p>
+            <a:r>
+              <a:rPr lang="en-US" sz="3200" b="1" u="sng" dirty="0"/>
+              <a:t>Jenkins Pipeline Flow</a:t>
+            </a:r>
+            <a:endParaRPr lang="en-IN" sz="3200" b="1" u="sng" dirty="0"/>
+          </a:p>
+        </p:txBody>
+      </p:sp>
+      <p:pic>
+        <p:nvPicPr>
+          <p:cNvPr id="9" name="Picture 8">
+            <a:extLst>
+              <a:ext uri="{FF2B5EF4-FFF2-40B4-BE49-F238E27FC236}">
+                <a16:creationId xmlns:a16="http://schemas.microsoft.com/office/drawing/2014/main" id="{5F07AF7D-44D2-6F4B-A976-6C15A761E880}"/>
+              </a:ext>
+            </a:extLst>
+          </p:cNvPr>
+          <p:cNvPicPr>
+            <a:picLocks noChangeAspect="1"/>
+          </p:cNvPicPr>
+          <p:nvPr/>
+        </p:nvPicPr>
+        <p:blipFill>
+          <a:blip r:embed="rId4">
+            <a:extLst>
+              <a:ext uri="{28A0092B-C50C-407E-A947-70E740481C1C}">
+                <a14:useLocalDpi xmlns:a14="http://schemas.microsoft.com/office/drawing/2010/main" val="0"/>
+              </a:ext>
+            </a:extLst>
+          </a:blip>
+          <a:stretch>
+            <a:fillRect/>
+          </a:stretch>
+        </p:blipFill>
+        <p:spPr>
+          <a:xfrm>
+            <a:off x="896470" y="1498350"/>
+            <a:ext cx="9968754" cy="4975802"/>
+          </a:xfrm>
+          <a:prstGeom prst="rect">
+            <a:avLst/>
+          </a:prstGeom>
+        </p:spPr>
+      </p:pic>
     </p:spTree>
     <p:extLst>
       <p:ext uri="{BB962C8B-B14F-4D97-AF65-F5344CB8AC3E}">
-        <p14:creationId xmlns:p14="http://schemas.microsoft.com/office/powerpoint/2010/main" val="600271488"/>
+        <p14:creationId xmlns:p14="http://schemas.microsoft.com/office/powerpoint/2010/main" val="722411421"/>
       </p:ext>
     </p:extLst>
   </p:cSld>
@@ -4239,17 +4197,17 @@
                 </a:solidFill>
                 <a:latin typeface="Times New Roman" panose="02020603050405020304" pitchFamily="18" charset="0"/>
               </a:rPr>
-              <a:t>Future Work</a:t>
-            </a:r>
-          </a:p>
-        </p:txBody>
-      </p:sp>
-      <p:sp>
-        <p:nvSpPr>
-          <p:cNvPr id="3" name="TextBox 2">
-            <a:extLst>
-              <a:ext uri="{FF2B5EF4-FFF2-40B4-BE49-F238E27FC236}">
-                <a16:creationId xmlns:a16="http://schemas.microsoft.com/office/drawing/2014/main" id="{0619899A-31DA-FCDF-48CA-B2A307298A93}"/>
+              <a:t>Deployment</a:t>
+            </a:r>
+          </a:p>
+        </p:txBody>
+      </p:sp>
+      <p:sp>
+        <p:nvSpPr>
+          <p:cNvPr id="7" name="TextBox 6">
+            <a:extLst>
+              <a:ext uri="{FF2B5EF4-FFF2-40B4-BE49-F238E27FC236}">
+                <a16:creationId xmlns:a16="http://schemas.microsoft.com/office/drawing/2014/main" id="{4E34D14B-9278-1F90-25E3-1FABACE2AC59}"/>
               </a:ext>
             </a:extLst>
           </p:cNvPr>
@@ -4258,8 +4216,8 @@
         </p:nvSpPr>
         <p:spPr>
           <a:xfrm>
-            <a:off x="490219" y="1349647"/>
-            <a:ext cx="10331751" cy="480901"/>
+            <a:off x="490220" y="1349647"/>
+            <a:ext cx="5026660" cy="318998"/>
           </a:xfrm>
           <a:prstGeom prst="rect">
             <a:avLst/>
@@ -4277,14 +4235,11 @@
                 <a:spcPct val="115000"/>
               </a:lnSpc>
             </a:pPr>
-            <a:r>
-              <a:rPr lang="en-IN" sz="2400" b="1" u="sng" dirty="0">
-                <a:effectLst/>
-                <a:latin typeface="Arial" panose="020B0604020202020204" pitchFamily="34" charset="0"/>
-                <a:ea typeface="Arial" panose="020B0604020202020204" pitchFamily="34" charset="0"/>
-              </a:rPr>
-              <a:t>Following are the list of works that can be integrated to this project.</a:t>
-            </a:r>
+            <a:endParaRPr lang="en-IN" sz="1400" dirty="0">
+              <a:effectLst/>
+              <a:latin typeface="Arial" panose="020B0604020202020204" pitchFamily="34" charset="0"/>
+              <a:ea typeface="Arial" panose="020B0604020202020204" pitchFamily="34" charset="0"/>
+            </a:endParaRPr>
           </a:p>
         </p:txBody>
       </p:sp>
@@ -4293,7 +4248,7 @@
           <p:cNvPr id="2" name="TextBox 1">
             <a:extLst>
               <a:ext uri="{FF2B5EF4-FFF2-40B4-BE49-F238E27FC236}">
-                <a16:creationId xmlns:a16="http://schemas.microsoft.com/office/drawing/2014/main" id="{C04E2324-DA37-947F-A314-EE39F3EAC981}"/>
+                <a16:creationId xmlns:a16="http://schemas.microsoft.com/office/drawing/2014/main" id="{A3181E57-841F-4812-3551-80AF4974A4AC}"/>
               </a:ext>
             </a:extLst>
           </p:cNvPr>
@@ -4302,8 +4257,8 @@
         </p:nvSpPr>
         <p:spPr>
           <a:xfrm>
-            <a:off x="490219" y="2301757"/>
-            <a:ext cx="10751113" cy="3077766"/>
+            <a:off x="367552" y="950259"/>
+            <a:ext cx="10501552" cy="584775"/>
           </a:xfrm>
           <a:prstGeom prst="rect">
             <a:avLst/>
@@ -4316,77 +4271,58 @@
           </a:bodyPr>
           <a:lstStyle/>
           <a:p>
-            <a:pPr marL="342900" indent="-342900">
+            <a:pPr marL="457200" indent="-457200">
               <a:buFont typeface="Wingdings" panose="05000000000000000000" pitchFamily="2" charset="2"/>
               <a:buChar char="Ø"/>
             </a:pPr>
             <a:r>
-              <a:rPr lang="en-IN" sz="2000" b="1" dirty="0"/>
-              <a:t>Can be integrated with the frontend technologies in future like Angular, ReactJs.</a:t>
-            </a:r>
-          </a:p>
-          <a:p>
-            <a:endParaRPr lang="en-IN" sz="2000" b="1" dirty="0"/>
-          </a:p>
-          <a:p>
-            <a:pPr marL="342900" indent="-342900">
-              <a:buFont typeface="Wingdings" panose="05000000000000000000" pitchFamily="2" charset="2"/>
-              <a:buChar char="Ø"/>
-            </a:pPr>
-            <a:r>
-              <a:rPr lang="en-IN" sz="2000" b="1" dirty="0"/>
-              <a:t>Can be implemented with more services.</a:t>
-            </a:r>
-          </a:p>
-          <a:p>
-            <a:endParaRPr lang="en-IN" sz="2000" b="1" dirty="0"/>
-          </a:p>
-          <a:p>
-            <a:pPr marL="342900" indent="-342900">
-              <a:buFont typeface="Wingdings" panose="05000000000000000000" pitchFamily="2" charset="2"/>
-              <a:buChar char="Ø"/>
-            </a:pPr>
-            <a:r>
-              <a:rPr lang="en-IN" sz="2000" b="1" dirty="0"/>
-              <a:t>Can be deployed on cloud platform like AWS, GCP.</a:t>
-            </a:r>
-          </a:p>
-          <a:p>
-            <a:endParaRPr lang="en-IN" sz="2000" b="1" dirty="0"/>
-          </a:p>
-          <a:p>
-            <a:pPr marL="342900" indent="-342900">
-              <a:buFont typeface="Wingdings" panose="05000000000000000000" pitchFamily="2" charset="2"/>
-              <a:buChar char="Ø"/>
-            </a:pPr>
-            <a:r>
-              <a:rPr lang="en-IN" sz="2000" b="1" dirty="0"/>
-              <a:t>SonarQube testing can be implemented.</a:t>
-            </a:r>
-          </a:p>
-          <a:p>
-            <a:endParaRPr lang="en-IN" dirty="0"/>
-          </a:p>
-          <a:p>
-            <a:pPr marL="285750" indent="-285750">
-              <a:buFont typeface="Arial" panose="020B0604020202020204" pitchFamily="34" charset="0"/>
-              <a:buChar char="•"/>
-            </a:pPr>
-            <a:endParaRPr lang="en-IN" dirty="0"/>
-          </a:p>
-          <a:p>
-            <a:pPr marL="285750" indent="-285750">
-              <a:buFont typeface="Arial" panose="020B0604020202020204" pitchFamily="34" charset="0"/>
-              <a:buChar char="•"/>
-            </a:pPr>
-            <a:endParaRPr lang="en-IN" dirty="0"/>
-          </a:p>
-        </p:txBody>
-      </p:sp>
+              <a:rPr lang="en-US" sz="3200" b="1" u="sng" dirty="0"/>
+              <a:t>Kubernetes Deployment on Google Cloud Platform(GCP)</a:t>
+            </a:r>
+            <a:endParaRPr lang="en-IN" sz="3200" b="1" u="sng" dirty="0"/>
+          </a:p>
+        </p:txBody>
+      </p:sp>
+      <p:pic>
+        <p:nvPicPr>
+          <p:cNvPr id="11" name="Picture 10">
+            <a:extLst>
+              <a:ext uri="{FF2B5EF4-FFF2-40B4-BE49-F238E27FC236}">
+                <a16:creationId xmlns:a16="http://schemas.microsoft.com/office/drawing/2014/main" id="{AB8D7E6E-FBCE-4FBB-3075-2BDB8D35C354}"/>
+              </a:ext>
+            </a:extLst>
+          </p:cNvPr>
+          <p:cNvPicPr>
+            <a:picLocks noChangeAspect="1"/>
+          </p:cNvPicPr>
+          <p:nvPr/>
+        </p:nvPicPr>
+        <p:blipFill>
+          <a:blip r:embed="rId4">
+            <a:extLst>
+              <a:ext uri="{28A0092B-C50C-407E-A947-70E740481C1C}">
+                <a14:useLocalDpi xmlns:a14="http://schemas.microsoft.com/office/drawing/2010/main" val="0"/>
+              </a:ext>
+            </a:extLst>
+          </a:blip>
+          <a:stretch>
+            <a:fillRect/>
+          </a:stretch>
+        </p:blipFill>
+        <p:spPr>
+          <a:xfrm>
+            <a:off x="150828" y="1509146"/>
+            <a:ext cx="11755225" cy="5268726"/>
+          </a:xfrm>
+          <a:prstGeom prst="rect">
+            <a:avLst/>
+          </a:prstGeom>
+        </p:spPr>
+      </p:pic>
     </p:spTree>
     <p:extLst>
       <p:ext uri="{BB962C8B-B14F-4D97-AF65-F5344CB8AC3E}">
-        <p14:creationId xmlns:p14="http://schemas.microsoft.com/office/powerpoint/2010/main" val="2343796108"/>
+        <p14:creationId xmlns:p14="http://schemas.microsoft.com/office/powerpoint/2010/main" val="2481442763"/>
       </p:ext>
     </p:extLst>
   </p:cSld>
@@ -4571,17 +4507,17 @@
                 </a:solidFill>
                 <a:latin typeface="Times New Roman" panose="02020603050405020304" pitchFamily="18" charset="0"/>
               </a:rPr>
-              <a:t>References</a:t>
-            </a:r>
-          </a:p>
-        </p:txBody>
-      </p:sp>
-      <p:sp>
-        <p:nvSpPr>
-          <p:cNvPr id="10" name="TextBox 9">
-            <a:extLst>
-              <a:ext uri="{FF2B5EF4-FFF2-40B4-BE49-F238E27FC236}">
-                <a16:creationId xmlns:a16="http://schemas.microsoft.com/office/drawing/2014/main" id="{61206C2F-BDF5-071B-EC7C-A93066E34658}"/>
+              <a:t>Conclusion</a:t>
+            </a:r>
+          </a:p>
+        </p:txBody>
+      </p:sp>
+      <p:sp>
+        <p:nvSpPr>
+          <p:cNvPr id="7" name="TextBox 6">
+            <a:extLst>
+              <a:ext uri="{FF2B5EF4-FFF2-40B4-BE49-F238E27FC236}">
+                <a16:creationId xmlns:a16="http://schemas.microsoft.com/office/drawing/2014/main" id="{B4E07FE1-E878-E386-9DF4-34E931415690}"/>
               </a:ext>
             </a:extLst>
           </p:cNvPr>
@@ -4590,8 +4526,8 @@
         </p:nvSpPr>
         <p:spPr>
           <a:xfrm>
-            <a:off x="714336" y="1083916"/>
-            <a:ext cx="8637054" cy="416204"/>
+            <a:off x="490219" y="1349647"/>
+            <a:ext cx="10689963" cy="3815403"/>
           </a:xfrm>
           <a:prstGeom prst="rect">
             <a:avLst/>
@@ -4612,14 +4548,105 @@
               <a:buChar char="Ø"/>
             </a:pPr>
             <a:r>
-              <a:rPr lang="en-US" sz="2000" b="1" u="sng" dirty="0">
+              <a:rPr lang="en-IN" sz="2000" b="1" dirty="0">
                 <a:effectLst/>
-                <a:latin typeface="Arial" panose="020B0604020202020204" pitchFamily="34" charset="0"/>
+                <a:latin typeface="Times New Roman" panose="02020603050405020304" pitchFamily="18" charset="0"/>
                 <a:ea typeface="Arial" panose="020B0604020202020204" pitchFamily="34" charset="0"/>
               </a:rPr>
-              <a:t>List of References Used During the Completion of Project.</a:t>
-            </a:r>
-            <a:endParaRPr lang="en-IN" sz="2000" b="1" u="sng" dirty="0">
+              <a:t>From the following slides we can Conclude that </a:t>
+            </a:r>
+            <a:r>
+              <a:rPr lang="en-IN" sz="2000" b="1" dirty="0">
+                <a:latin typeface="Times New Roman" panose="02020603050405020304" pitchFamily="18" charset="0"/>
+                <a:ea typeface="Arial" panose="020B0604020202020204" pitchFamily="34" charset="0"/>
+              </a:rPr>
+              <a:t>my</a:t>
+            </a:r>
+            <a:r>
+              <a:rPr lang="en-IN" sz="2000" b="1" dirty="0">
+                <a:effectLst/>
+                <a:latin typeface="Times New Roman" panose="02020603050405020304" pitchFamily="18" charset="0"/>
+                <a:ea typeface="Arial" panose="020B0604020202020204" pitchFamily="34" charset="0"/>
+              </a:rPr>
+              <a:t> project successfully achieved the goal of creating a RESTFUL web service that can fetch the information  of particular employee based on </a:t>
+            </a:r>
+            <a:r>
+              <a:rPr lang="en-IN" sz="2000" b="1" dirty="0">
+                <a:latin typeface="Times New Roman" panose="02020603050405020304" pitchFamily="18" charset="0"/>
+                <a:ea typeface="Arial" panose="020B0604020202020204" pitchFamily="34" charset="0"/>
+              </a:rPr>
+              <a:t>Id.</a:t>
+            </a:r>
+          </a:p>
+          <a:p>
+            <a:pPr algn="just">
+              <a:lnSpc>
+                <a:spcPct val="115000"/>
+              </a:lnSpc>
+            </a:pPr>
+            <a:endParaRPr lang="en-IN" sz="1400" dirty="0">
+              <a:effectLst/>
+              <a:latin typeface="Times New Roman" panose="02020603050405020304" pitchFamily="18" charset="0"/>
+              <a:ea typeface="Arial" panose="020B0604020202020204" pitchFamily="34" charset="0"/>
+            </a:endParaRPr>
+          </a:p>
+          <a:p>
+            <a:pPr algn="just">
+              <a:lnSpc>
+                <a:spcPct val="115000"/>
+              </a:lnSpc>
+            </a:pPr>
+            <a:endParaRPr lang="en-IN" sz="1400" dirty="0">
+              <a:latin typeface="Times New Roman" panose="02020603050405020304" pitchFamily="18" charset="0"/>
+              <a:ea typeface="Arial" panose="020B0604020202020204" pitchFamily="34" charset="0"/>
+            </a:endParaRPr>
+          </a:p>
+          <a:p>
+            <a:pPr marL="342900" indent="-342900" algn="just">
+              <a:lnSpc>
+                <a:spcPct val="115000"/>
+              </a:lnSpc>
+              <a:buFont typeface="Wingdings" panose="05000000000000000000" pitchFamily="2" charset="2"/>
+              <a:buChar char="Ø"/>
+            </a:pPr>
+            <a:r>
+              <a:rPr lang="en-IN" sz="2400" b="1" u="sng" dirty="0">
+                <a:effectLst/>
+                <a:latin typeface="Times New Roman" panose="02020603050405020304" pitchFamily="18" charset="0"/>
+                <a:ea typeface="Arial" panose="020B0604020202020204" pitchFamily="34" charset="0"/>
+              </a:rPr>
+              <a:t>Challenges:-</a:t>
+            </a:r>
+          </a:p>
+          <a:p>
+            <a:pPr algn="just">
+              <a:lnSpc>
+                <a:spcPct val="115000"/>
+              </a:lnSpc>
+            </a:pPr>
+            <a:r>
+              <a:rPr lang="en-IN" sz="2000" b="1" dirty="0">
+                <a:latin typeface="Times New Roman" panose="02020603050405020304" pitchFamily="18" charset="0"/>
+                <a:ea typeface="Arial" panose="020B0604020202020204" pitchFamily="34" charset="0"/>
+              </a:rPr>
+              <a:t>          During the deployment process I had got up to many challenges the crashing up of ports and not allowing the image to pull  as it was saying the “existing port” is already in use. After deployment the port pods were getting crashed again and again.</a:t>
+            </a:r>
+          </a:p>
+          <a:p>
+            <a:pPr algn="just">
+              <a:lnSpc>
+                <a:spcPct val="115000"/>
+              </a:lnSpc>
+            </a:pPr>
+            <a:r>
+              <a:rPr lang="en-IN" sz="2000" b="1" dirty="0">
+                <a:effectLst/>
+                <a:latin typeface="Times New Roman" panose="02020603050405020304" pitchFamily="18" charset="0"/>
+                <a:ea typeface="Arial" panose="020B0604020202020204" pitchFamily="34" charset="0"/>
+              </a:rPr>
+              <a:t>          After the deployment the “communication link failure” was the error in logs of an instance of service. This all were the challenges I have faced during the project.</a:t>
+            </a:r>
+            <a:endParaRPr lang="en-IN" sz="2000" b="1" dirty="0">
               <a:effectLst/>
               <a:latin typeface="Arial" panose="020B0604020202020204" pitchFamily="34" charset="0"/>
               <a:ea typeface="Arial" panose="020B0604020202020204" pitchFamily="34" charset="0"/>
@@ -4627,86 +4654,10 @@
           </a:p>
         </p:txBody>
       </p:sp>
-      <p:sp>
-        <p:nvSpPr>
-          <p:cNvPr id="2" name="TextBox 1">
-            <a:extLst>
-              <a:ext uri="{FF2B5EF4-FFF2-40B4-BE49-F238E27FC236}">
-                <a16:creationId xmlns:a16="http://schemas.microsoft.com/office/drawing/2014/main" id="{AB25F2B3-053B-0EA6-2AE2-53846F6B8FA6}"/>
-              </a:ext>
-            </a:extLst>
-          </p:cNvPr>
-          <p:cNvSpPr txBox="1"/>
-          <p:nvPr/>
-        </p:nvSpPr>
-        <p:spPr>
-          <a:xfrm>
-            <a:off x="745715" y="2052916"/>
-            <a:ext cx="10700570" cy="2862322"/>
-          </a:xfrm>
-          <a:prstGeom prst="rect">
-            <a:avLst/>
-          </a:prstGeom>
-          <a:noFill/>
-        </p:spPr>
-        <p:txBody>
-          <a:bodyPr wrap="square" rtlCol="0">
-            <a:spAutoFit/>
-          </a:bodyPr>
-          <a:lstStyle/>
-          <a:p>
-            <a:r>
-              <a:rPr lang="en-US" sz="2000" b="1" dirty="0"/>
-              <a:t>1)Javeed Sir Lecture Notes.</a:t>
-            </a:r>
-          </a:p>
-          <a:p>
-            <a:endParaRPr lang="en-US" sz="2000" b="1" dirty="0"/>
-          </a:p>
-          <a:p>
-            <a:r>
-              <a:rPr lang="en-US" sz="2000" b="1" dirty="0"/>
-              <a:t>2)YouTube:</a:t>
-            </a:r>
-          </a:p>
-          <a:p>
-            <a:pPr marL="342900" indent="-342900">
-              <a:buFont typeface="Arial" panose="020B0604020202020204" pitchFamily="34" charset="0"/>
-              <a:buChar char="•"/>
-            </a:pPr>
-            <a:r>
-              <a:rPr lang="en-US" sz="2000" b="1" dirty="0"/>
-              <a:t>https://www.youtube.com/watch?v=PKcGy9oPVXghttps://www.youtube.com/watch?v=PKcGy9oPVXg</a:t>
-            </a:r>
-          </a:p>
-          <a:p>
-            <a:endParaRPr lang="en-US" sz="2000" b="1" dirty="0"/>
-          </a:p>
-          <a:p>
-            <a:pPr marL="342900" indent="-342900">
-              <a:buFont typeface="Arial" panose="020B0604020202020204" pitchFamily="34" charset="0"/>
-              <a:buChar char="•"/>
-            </a:pPr>
-            <a:r>
-              <a:rPr lang="en-US" sz="2000" b="1" dirty="0"/>
-              <a:t>https://www.youtube.com/watch?v=pIPji3_rYPY</a:t>
-            </a:r>
-          </a:p>
-          <a:p>
-            <a:endParaRPr lang="en-US" sz="2000" b="1" dirty="0"/>
-          </a:p>
-          <a:p>
-            <a:r>
-              <a:rPr lang="en-IN" sz="2000" b="1" dirty="0"/>
-              <a:t>3)Stack Overflow</a:t>
-            </a:r>
-          </a:p>
-        </p:txBody>
-      </p:sp>
     </p:spTree>
     <p:extLst>
       <p:ext uri="{BB962C8B-B14F-4D97-AF65-F5344CB8AC3E}">
-        <p14:creationId xmlns:p14="http://schemas.microsoft.com/office/powerpoint/2010/main" val="1694362061"/>
+        <p14:creationId xmlns:p14="http://schemas.microsoft.com/office/powerpoint/2010/main" val="600271488"/>
       </p:ext>
     </p:extLst>
   </p:cSld>
@@ -4891,17 +4842,17 @@
                 </a:solidFill>
                 <a:latin typeface="Times New Roman" panose="02020603050405020304" pitchFamily="18" charset="0"/>
               </a:rPr>
-              <a:t>Appendices</a:t>
-            </a:r>
-          </a:p>
-        </p:txBody>
-      </p:sp>
-      <p:sp>
-        <p:nvSpPr>
-          <p:cNvPr id="7" name="TextBox 6">
-            <a:extLst>
-              <a:ext uri="{FF2B5EF4-FFF2-40B4-BE49-F238E27FC236}">
-                <a16:creationId xmlns:a16="http://schemas.microsoft.com/office/drawing/2014/main" id="{1A521886-A1DC-C1EC-6392-5263384F6C69}"/>
+              <a:t>Future Work</a:t>
+            </a:r>
+          </a:p>
+        </p:txBody>
+      </p:sp>
+      <p:sp>
+        <p:nvSpPr>
+          <p:cNvPr id="3" name="TextBox 2">
+            <a:extLst>
+              <a:ext uri="{FF2B5EF4-FFF2-40B4-BE49-F238E27FC236}">
+                <a16:creationId xmlns:a16="http://schemas.microsoft.com/office/drawing/2014/main" id="{0619899A-31DA-FCDF-48CA-B2A307298A93}"/>
               </a:ext>
             </a:extLst>
           </p:cNvPr>
@@ -4910,8 +4861,8 @@
         </p:nvSpPr>
         <p:spPr>
           <a:xfrm>
-            <a:off x="386525" y="1042611"/>
-            <a:ext cx="5026660" cy="416204"/>
+            <a:off x="490219" y="1349647"/>
+            <a:ext cx="10331751" cy="480901"/>
           </a:xfrm>
           <a:prstGeom prst="rect">
             <a:avLst/>
@@ -4930,12 +4881,12 @@
               </a:lnSpc>
             </a:pPr>
             <a:r>
-              <a:rPr lang="en-IN" sz="2000" b="1" u="sng" dirty="0">
+              <a:rPr lang="en-IN" sz="2400" b="1" u="sng" dirty="0">
                 <a:effectLst/>
                 <a:latin typeface="Arial" panose="020B0604020202020204" pitchFamily="34" charset="0"/>
                 <a:ea typeface="Arial" panose="020B0604020202020204" pitchFamily="34" charset="0"/>
               </a:rPr>
-              <a:t>Feature Screenshots of Application.</a:t>
+              <a:t>Following are the list of works that can be integrated to this project.</a:t>
             </a:r>
           </a:p>
         </p:txBody>
@@ -4945,7 +4896,7 @@
           <p:cNvPr id="2" name="TextBox 1">
             <a:extLst>
               <a:ext uri="{FF2B5EF4-FFF2-40B4-BE49-F238E27FC236}">
-                <a16:creationId xmlns:a16="http://schemas.microsoft.com/office/drawing/2014/main" id="{4830034F-047A-9034-7AE3-09199BDFBDB7}"/>
+                <a16:creationId xmlns:a16="http://schemas.microsoft.com/office/drawing/2014/main" id="{C04E2324-DA37-947F-A314-EE39F3EAC981}"/>
               </a:ext>
             </a:extLst>
           </p:cNvPr>
@@ -4953,9 +4904,9 @@
           <p:nvPr/>
         </p:nvSpPr>
         <p:spPr>
-          <a:xfrm flipH="1">
-            <a:off x="453175" y="1528451"/>
-            <a:ext cx="4413160" cy="369332"/>
+          <a:xfrm>
+            <a:off x="490219" y="2301757"/>
+            <a:ext cx="10751113" cy="3077766"/>
           </a:xfrm>
           <a:prstGeom prst="rect">
             <a:avLst/>
@@ -4968,53 +4919,77 @@
           </a:bodyPr>
           <a:lstStyle/>
           <a:p>
-            <a:r>
-              <a:rPr lang="en-IN" b="1" dirty="0"/>
-              <a:t>1)Securing request with SSL Certification.</a:t>
-            </a:r>
-          </a:p>
-        </p:txBody>
-      </p:sp>
-      <p:pic>
-        <p:nvPicPr>
-          <p:cNvPr id="9" name="Picture 8">
-            <a:extLst>
-              <a:ext uri="{FF2B5EF4-FFF2-40B4-BE49-F238E27FC236}">
-                <a16:creationId xmlns:a16="http://schemas.microsoft.com/office/drawing/2014/main" id="{7A2EAD35-FD4A-E601-F03F-F564B6B51B57}"/>
-              </a:ext>
-            </a:extLst>
-          </p:cNvPr>
-          <p:cNvPicPr>
-            <a:picLocks noChangeAspect="1"/>
-          </p:cNvPicPr>
-          <p:nvPr/>
-        </p:nvPicPr>
-        <p:blipFill>
-          <a:blip r:embed="rId4">
-            <a:extLst>
-              <a:ext uri="{28A0092B-C50C-407E-A947-70E740481C1C}">
-                <a14:useLocalDpi xmlns:a14="http://schemas.microsoft.com/office/drawing/2010/main" val="0"/>
-              </a:ext>
-            </a:extLst>
-          </a:blip>
-          <a:stretch>
-            <a:fillRect/>
-          </a:stretch>
-        </p:blipFill>
-        <p:spPr>
-          <a:xfrm>
-            <a:off x="5423722" y="1250713"/>
-            <a:ext cx="5646909" cy="5071134"/>
-          </a:xfrm>
-          <a:prstGeom prst="rect">
-            <a:avLst/>
-          </a:prstGeom>
-        </p:spPr>
-      </p:pic>
+            <a:pPr marL="342900" indent="-342900">
+              <a:buFont typeface="Wingdings" panose="05000000000000000000" pitchFamily="2" charset="2"/>
+              <a:buChar char="Ø"/>
+            </a:pPr>
+            <a:r>
+              <a:rPr lang="en-IN" sz="2000" b="1" dirty="0"/>
+              <a:t>Can be integrated with the frontend technologies in future like Angular, ReactJs.</a:t>
+            </a:r>
+          </a:p>
+          <a:p>
+            <a:endParaRPr lang="en-IN" sz="2000" b="1" dirty="0"/>
+          </a:p>
+          <a:p>
+            <a:pPr marL="342900" indent="-342900">
+              <a:buFont typeface="Wingdings" panose="05000000000000000000" pitchFamily="2" charset="2"/>
+              <a:buChar char="Ø"/>
+            </a:pPr>
+            <a:r>
+              <a:rPr lang="en-IN" sz="2000" b="1" dirty="0"/>
+              <a:t>Can be implemented with more services.</a:t>
+            </a:r>
+          </a:p>
+          <a:p>
+            <a:endParaRPr lang="en-IN" sz="2000" b="1" dirty="0"/>
+          </a:p>
+          <a:p>
+            <a:pPr marL="342900" indent="-342900">
+              <a:buFont typeface="Wingdings" panose="05000000000000000000" pitchFamily="2" charset="2"/>
+              <a:buChar char="Ø"/>
+            </a:pPr>
+            <a:r>
+              <a:rPr lang="en-IN" sz="2000" b="1" dirty="0"/>
+              <a:t>Can be deployed on cloud platform like AWS, GCP.</a:t>
+            </a:r>
+          </a:p>
+          <a:p>
+            <a:endParaRPr lang="en-IN" sz="2000" b="1" dirty="0"/>
+          </a:p>
+          <a:p>
+            <a:pPr marL="342900" indent="-342900">
+              <a:buFont typeface="Wingdings" panose="05000000000000000000" pitchFamily="2" charset="2"/>
+              <a:buChar char="Ø"/>
+            </a:pPr>
+            <a:r>
+              <a:rPr lang="en-IN" sz="2000" b="1" dirty="0"/>
+              <a:t>SonarQube testing can be implemented.</a:t>
+            </a:r>
+          </a:p>
+          <a:p>
+            <a:endParaRPr lang="en-IN" dirty="0"/>
+          </a:p>
+          <a:p>
+            <a:pPr marL="285750" indent="-285750">
+              <a:buFont typeface="Arial" panose="020B0604020202020204" pitchFamily="34" charset="0"/>
+              <a:buChar char="•"/>
+            </a:pPr>
+            <a:endParaRPr lang="en-IN" dirty="0"/>
+          </a:p>
+          <a:p>
+            <a:pPr marL="285750" indent="-285750">
+              <a:buFont typeface="Arial" panose="020B0604020202020204" pitchFamily="34" charset="0"/>
+              <a:buChar char="•"/>
+            </a:pPr>
+            <a:endParaRPr lang="en-IN" dirty="0"/>
+          </a:p>
+        </p:txBody>
+      </p:sp>
     </p:spTree>
     <p:extLst>
       <p:ext uri="{BB962C8B-B14F-4D97-AF65-F5344CB8AC3E}">
-        <p14:creationId xmlns:p14="http://schemas.microsoft.com/office/powerpoint/2010/main" val="2714149063"/>
+        <p14:creationId xmlns:p14="http://schemas.microsoft.com/office/powerpoint/2010/main" val="2343796108"/>
       </p:ext>
     </p:extLst>
   </p:cSld>
@@ -5157,25 +5132,29 @@
       </p:pic>
       <p:sp>
         <p:nvSpPr>
-          <p:cNvPr id="2" name="TextBox 1">
-            <a:extLst>
-              <a:ext uri="{FF2B5EF4-FFF2-40B4-BE49-F238E27FC236}">
-                <a16:creationId xmlns:a16="http://schemas.microsoft.com/office/drawing/2014/main" id="{4830034F-047A-9034-7AE3-09199BDFBDB7}"/>
-              </a:ext>
-            </a:extLst>
-          </p:cNvPr>
-          <p:cNvSpPr txBox="1"/>
-          <p:nvPr/>
-        </p:nvSpPr>
-        <p:spPr>
-          <a:xfrm flipH="1">
-            <a:off x="2780948" y="427814"/>
-            <a:ext cx="8386025" cy="369332"/>
+          <p:cNvPr id="8" name="TextBox 7">
+            <a:extLst>
+              <a:ext uri="{FF2B5EF4-FFF2-40B4-BE49-F238E27FC236}">
+                <a16:creationId xmlns:a16="http://schemas.microsoft.com/office/drawing/2014/main" id="{83A5D50A-7BF5-47B2-27E6-96AA33171B2B}"/>
+              </a:ext>
+            </a:extLst>
+          </p:cNvPr>
+          <p:cNvSpPr txBox="1">
+            <a:spLocks noGrp="1" noRot="1" noMove="1" noResize="1" noEditPoints="1" noAdjustHandles="1" noChangeArrowheads="1" noChangeShapeType="1"/>
+          </p:cNvSpPr>
+          <p:nvPr/>
+        </p:nvSpPr>
+        <p:spPr>
+          <a:xfrm>
+            <a:off x="2499360" y="383848"/>
+            <a:ext cx="8818879" cy="483017"/>
           </a:xfrm>
           <a:prstGeom prst="rect">
             <a:avLst/>
           </a:prstGeom>
-          <a:noFill/>
+          <a:solidFill>
+            <a:srgbClr val="FF6709"/>
+          </a:solidFill>
         </p:spPr>
         <p:txBody>
           <a:bodyPr wrap="square" rtlCol="0">
@@ -5183,53 +5162,154 @@
           </a:bodyPr>
           <a:lstStyle/>
           <a:p>
-            <a:r>
-              <a:rPr lang="en-IN" b="1" dirty="0"/>
-              <a:t>2)Request and Response for Get Employee with Id Request for Client Side .</a:t>
-            </a:r>
-          </a:p>
-        </p:txBody>
-      </p:sp>
-      <p:pic>
-        <p:nvPicPr>
-          <p:cNvPr id="12" name="Picture 11">
-            <a:extLst>
-              <a:ext uri="{FF2B5EF4-FFF2-40B4-BE49-F238E27FC236}">
-                <a16:creationId xmlns:a16="http://schemas.microsoft.com/office/drawing/2014/main" id="{8A16E8F4-0859-6169-D1B9-690677ACDF07}"/>
-              </a:ext>
-            </a:extLst>
-          </p:cNvPr>
-          <p:cNvPicPr>
-            <a:picLocks noChangeAspect="1"/>
-          </p:cNvPicPr>
-          <p:nvPr/>
-        </p:nvPicPr>
-        <p:blipFill>
-          <a:blip r:embed="rId4">
-            <a:extLst>
-              <a:ext uri="{28A0092B-C50C-407E-A947-70E740481C1C}">
-                <a14:useLocalDpi xmlns:a14="http://schemas.microsoft.com/office/drawing/2010/main" val="0"/>
-              </a:ext>
-            </a:extLst>
-          </a:blip>
-          <a:stretch>
-            <a:fillRect/>
-          </a:stretch>
-        </p:blipFill>
-        <p:spPr>
-          <a:xfrm>
-            <a:off x="112070" y="1224959"/>
-            <a:ext cx="11416542" cy="5295018"/>
+            <a:pPr>
+              <a:lnSpc>
+                <a:spcPct val="115000"/>
+              </a:lnSpc>
+            </a:pPr>
+            <a:r>
+              <a:rPr lang="en-IN" sz="2400" b="1" dirty="0">
+                <a:solidFill>
+                  <a:schemeClr val="bg1"/>
+                </a:solidFill>
+                <a:latin typeface="Times New Roman" panose="02020603050405020304" pitchFamily="18" charset="0"/>
+              </a:rPr>
+              <a:t>References</a:t>
+            </a:r>
+          </a:p>
+        </p:txBody>
+      </p:sp>
+      <p:sp>
+        <p:nvSpPr>
+          <p:cNvPr id="10" name="TextBox 9">
+            <a:extLst>
+              <a:ext uri="{FF2B5EF4-FFF2-40B4-BE49-F238E27FC236}">
+                <a16:creationId xmlns:a16="http://schemas.microsoft.com/office/drawing/2014/main" id="{61206C2F-BDF5-071B-EC7C-A93066E34658}"/>
+              </a:ext>
+            </a:extLst>
+          </p:cNvPr>
+          <p:cNvSpPr txBox="1"/>
+          <p:nvPr/>
+        </p:nvSpPr>
+        <p:spPr>
+          <a:xfrm>
+            <a:off x="714336" y="1083916"/>
+            <a:ext cx="8637054" cy="416204"/>
           </a:xfrm>
           <a:prstGeom prst="rect">
             <a:avLst/>
           </a:prstGeom>
-        </p:spPr>
-      </p:pic>
+          <a:noFill/>
+        </p:spPr>
+        <p:txBody>
+          <a:bodyPr wrap="square">
+            <a:spAutoFit/>
+          </a:bodyPr>
+          <a:lstStyle/>
+          <a:p>
+            <a:pPr marL="342900" indent="-342900" algn="just">
+              <a:lnSpc>
+                <a:spcPct val="115000"/>
+              </a:lnSpc>
+              <a:buFont typeface="Wingdings" panose="05000000000000000000" pitchFamily="2" charset="2"/>
+              <a:buChar char="Ø"/>
+            </a:pPr>
+            <a:r>
+              <a:rPr lang="en-US" sz="2000" b="1" u="sng" dirty="0">
+                <a:effectLst/>
+                <a:latin typeface="Arial" panose="020B0604020202020204" pitchFamily="34" charset="0"/>
+                <a:ea typeface="Arial" panose="020B0604020202020204" pitchFamily="34" charset="0"/>
+              </a:rPr>
+              <a:t>List of References Used During the Completion of Project.</a:t>
+            </a:r>
+            <a:endParaRPr lang="en-IN" sz="2000" b="1" u="sng" dirty="0">
+              <a:effectLst/>
+              <a:latin typeface="Arial" panose="020B0604020202020204" pitchFamily="34" charset="0"/>
+              <a:ea typeface="Arial" panose="020B0604020202020204" pitchFamily="34" charset="0"/>
+            </a:endParaRPr>
+          </a:p>
+        </p:txBody>
+      </p:sp>
+      <p:sp>
+        <p:nvSpPr>
+          <p:cNvPr id="2" name="TextBox 1">
+            <a:extLst>
+              <a:ext uri="{FF2B5EF4-FFF2-40B4-BE49-F238E27FC236}">
+                <a16:creationId xmlns:a16="http://schemas.microsoft.com/office/drawing/2014/main" id="{AB25F2B3-053B-0EA6-2AE2-53846F6B8FA6}"/>
+              </a:ext>
+            </a:extLst>
+          </p:cNvPr>
+          <p:cNvSpPr txBox="1"/>
+          <p:nvPr/>
+        </p:nvSpPr>
+        <p:spPr>
+          <a:xfrm>
+            <a:off x="745715" y="2052916"/>
+            <a:ext cx="10700570" cy="2862322"/>
+          </a:xfrm>
+          <a:prstGeom prst="rect">
+            <a:avLst/>
+          </a:prstGeom>
+          <a:noFill/>
+        </p:spPr>
+        <p:txBody>
+          <a:bodyPr wrap="square" rtlCol="0">
+            <a:spAutoFit/>
+          </a:bodyPr>
+          <a:lstStyle/>
+          <a:p>
+            <a:r>
+              <a:rPr lang="en-US" sz="2000" b="1" dirty="0"/>
+              <a:t>1)Javeed Sir Lecture Notes.</a:t>
+            </a:r>
+          </a:p>
+          <a:p>
+            <a:endParaRPr lang="en-US" sz="2000" b="1" dirty="0"/>
+          </a:p>
+          <a:p>
+            <a:r>
+              <a:rPr lang="en-US" sz="2000" b="1" dirty="0"/>
+              <a:t>2)YouTube:</a:t>
+            </a:r>
+          </a:p>
+          <a:p>
+            <a:pPr marL="342900" indent="-342900">
+              <a:buFont typeface="Arial" panose="020B0604020202020204" pitchFamily="34" charset="0"/>
+              <a:buChar char="•"/>
+            </a:pPr>
+            <a:r>
+              <a:rPr lang="en-US" sz="2000" b="1" dirty="0"/>
+              <a:t>https://www.youtube.com/watch?v=PKcGy9oPVXghttps://www.youtube.com/watch?v=PKcGy9oPVXg</a:t>
+            </a:r>
+          </a:p>
+          <a:p>
+            <a:endParaRPr lang="en-US" sz="2000" b="1" dirty="0"/>
+          </a:p>
+          <a:p>
+            <a:pPr marL="342900" indent="-342900">
+              <a:buFont typeface="Arial" panose="020B0604020202020204" pitchFamily="34" charset="0"/>
+              <a:buChar char="•"/>
+            </a:pPr>
+            <a:r>
+              <a:rPr lang="en-US" sz="2000" b="1" dirty="0"/>
+              <a:t>https://www.youtube.com/watch?v=pIPji3_rYPY</a:t>
+            </a:r>
+          </a:p>
+          <a:p>
+            <a:endParaRPr lang="en-US" sz="2000" b="1" dirty="0"/>
+          </a:p>
+          <a:p>
+            <a:r>
+              <a:rPr lang="en-IN" sz="2000" b="1" dirty="0"/>
+              <a:t>3)Stack Overflow</a:t>
+            </a:r>
+          </a:p>
+        </p:txBody>
+      </p:sp>
     </p:spTree>
     <p:extLst>
       <p:ext uri="{BB962C8B-B14F-4D97-AF65-F5344CB8AC3E}">
-        <p14:creationId xmlns:p14="http://schemas.microsoft.com/office/powerpoint/2010/main" val="435718182"/>
+        <p14:creationId xmlns:p14="http://schemas.microsoft.com/office/powerpoint/2010/main" val="1694362061"/>
       </p:ext>
     </p:extLst>
   </p:cSld>
@@ -5372,25 +5452,29 @@
       </p:pic>
       <p:sp>
         <p:nvSpPr>
-          <p:cNvPr id="2" name="TextBox 1">
-            <a:extLst>
-              <a:ext uri="{FF2B5EF4-FFF2-40B4-BE49-F238E27FC236}">
-                <a16:creationId xmlns:a16="http://schemas.microsoft.com/office/drawing/2014/main" id="{4830034F-047A-9034-7AE3-09199BDFBDB7}"/>
-              </a:ext>
-            </a:extLst>
-          </p:cNvPr>
-          <p:cNvSpPr txBox="1"/>
-          <p:nvPr/>
-        </p:nvSpPr>
-        <p:spPr>
-          <a:xfrm flipH="1">
-            <a:off x="2627257" y="414128"/>
-            <a:ext cx="8386025" cy="369332"/>
+          <p:cNvPr id="8" name="TextBox 7">
+            <a:extLst>
+              <a:ext uri="{FF2B5EF4-FFF2-40B4-BE49-F238E27FC236}">
+                <a16:creationId xmlns:a16="http://schemas.microsoft.com/office/drawing/2014/main" id="{83A5D50A-7BF5-47B2-27E6-96AA33171B2B}"/>
+              </a:ext>
+            </a:extLst>
+          </p:cNvPr>
+          <p:cNvSpPr txBox="1">
+            <a:spLocks noGrp="1" noRot="1" noMove="1" noResize="1" noEditPoints="1" noAdjustHandles="1" noChangeArrowheads="1" noChangeShapeType="1"/>
+          </p:cNvSpPr>
+          <p:nvPr/>
+        </p:nvSpPr>
+        <p:spPr>
+          <a:xfrm>
+            <a:off x="2499360" y="383848"/>
+            <a:ext cx="8818879" cy="483017"/>
           </a:xfrm>
           <a:prstGeom prst="rect">
             <a:avLst/>
           </a:prstGeom>
-          <a:noFill/>
+          <a:solidFill>
+            <a:srgbClr val="FF6709"/>
+          </a:solidFill>
         </p:spPr>
         <p:txBody>
           <a:bodyPr wrap="square" rtlCol="0">
@@ -5398,19 +5482,108 @@
           </a:bodyPr>
           <a:lstStyle/>
           <a:p>
+            <a:pPr>
+              <a:lnSpc>
+                <a:spcPct val="115000"/>
+              </a:lnSpc>
+            </a:pPr>
+            <a:r>
+              <a:rPr lang="en-IN" sz="2400" b="1" dirty="0">
+                <a:solidFill>
+                  <a:schemeClr val="bg1"/>
+                </a:solidFill>
+                <a:latin typeface="Times New Roman" panose="02020603050405020304" pitchFamily="18" charset="0"/>
+              </a:rPr>
+              <a:t>Appendices</a:t>
+            </a:r>
+          </a:p>
+        </p:txBody>
+      </p:sp>
+      <p:sp>
+        <p:nvSpPr>
+          <p:cNvPr id="7" name="TextBox 6">
+            <a:extLst>
+              <a:ext uri="{FF2B5EF4-FFF2-40B4-BE49-F238E27FC236}">
+                <a16:creationId xmlns:a16="http://schemas.microsoft.com/office/drawing/2014/main" id="{1A521886-A1DC-C1EC-6392-5263384F6C69}"/>
+              </a:ext>
+            </a:extLst>
+          </p:cNvPr>
+          <p:cNvSpPr txBox="1"/>
+          <p:nvPr/>
+        </p:nvSpPr>
+        <p:spPr>
+          <a:xfrm>
+            <a:off x="386525" y="1042611"/>
+            <a:ext cx="5026660" cy="416204"/>
+          </a:xfrm>
+          <a:prstGeom prst="rect">
+            <a:avLst/>
+          </a:prstGeom>
+          <a:noFill/>
+        </p:spPr>
+        <p:txBody>
+          <a:bodyPr wrap="square">
+            <a:spAutoFit/>
+          </a:bodyPr>
+          <a:lstStyle/>
+          <a:p>
+            <a:pPr algn="just">
+              <a:lnSpc>
+                <a:spcPct val="115000"/>
+              </a:lnSpc>
+            </a:pPr>
+            <a:r>
+              <a:rPr lang="en-IN" sz="2000" b="1" u="sng" dirty="0">
+                <a:effectLst/>
+                <a:latin typeface="Arial" panose="020B0604020202020204" pitchFamily="34" charset="0"/>
+                <a:ea typeface="Arial" panose="020B0604020202020204" pitchFamily="34" charset="0"/>
+              </a:rPr>
+              <a:t>Feature Screenshots of Application.</a:t>
+            </a:r>
+          </a:p>
+        </p:txBody>
+      </p:sp>
+      <p:sp>
+        <p:nvSpPr>
+          <p:cNvPr id="2" name="TextBox 1">
+            <a:extLst>
+              <a:ext uri="{FF2B5EF4-FFF2-40B4-BE49-F238E27FC236}">
+                <a16:creationId xmlns:a16="http://schemas.microsoft.com/office/drawing/2014/main" id="{4830034F-047A-9034-7AE3-09199BDFBDB7}"/>
+              </a:ext>
+            </a:extLst>
+          </p:cNvPr>
+          <p:cNvSpPr txBox="1"/>
+          <p:nvPr/>
+        </p:nvSpPr>
+        <p:spPr>
+          <a:xfrm flipH="1">
+            <a:off x="453175" y="1528451"/>
+            <a:ext cx="4413160" cy="369332"/>
+          </a:xfrm>
+          <a:prstGeom prst="rect">
+            <a:avLst/>
+          </a:prstGeom>
+          <a:noFill/>
+        </p:spPr>
+        <p:txBody>
+          <a:bodyPr wrap="square" rtlCol="0">
+            <a:spAutoFit/>
+          </a:bodyPr>
+          <a:lstStyle/>
+          <a:p>
             <a:r>
               <a:rPr lang="en-IN" b="1" dirty="0"/>
-              <a:t>3)Request Using Curl Command .</a:t>
+              <a:t>1)Securing request with SSL Certification.</a:t>
             </a:r>
           </a:p>
         </p:txBody>
       </p:sp>
       <p:pic>
         <p:nvPicPr>
-          <p:cNvPr id="7" name="Picture 6">
-            <a:extLst>
-              <a:ext uri="{FF2B5EF4-FFF2-40B4-BE49-F238E27FC236}">
-                <a16:creationId xmlns:a16="http://schemas.microsoft.com/office/drawing/2014/main" id="{6A962786-FF8D-681B-3355-9AB56A6BFE77}"/>
+          <p:cNvPr id="10" name="Picture 9">
+            <a:extLst>
+              <a:ext uri="{FF2B5EF4-FFF2-40B4-BE49-F238E27FC236}">
+                <a16:creationId xmlns:a16="http://schemas.microsoft.com/office/drawing/2014/main" id="{DB5C0940-620B-1A6E-8A64-9D0EF58C4FE1}"/>
               </a:ext>
             </a:extLst>
           </p:cNvPr>
@@ -5433,8 +5606,8 @@
         </p:blipFill>
         <p:spPr>
           <a:xfrm>
-            <a:off x="394447" y="1285520"/>
-            <a:ext cx="11586300" cy="5357327"/>
+            <a:off x="453175" y="1856352"/>
+            <a:ext cx="10630821" cy="4899199"/>
           </a:xfrm>
           <a:prstGeom prst="rect">
             <a:avLst/>
@@ -5444,7 +5617,7 @@
     </p:spTree>
     <p:extLst>
       <p:ext uri="{BB962C8B-B14F-4D97-AF65-F5344CB8AC3E}">
-        <p14:creationId xmlns:p14="http://schemas.microsoft.com/office/powerpoint/2010/main" val="2117713323"/>
+        <p14:creationId xmlns:p14="http://schemas.microsoft.com/office/powerpoint/2010/main" val="2714149063"/>
       </p:ext>
     </p:extLst>
   </p:cSld>
@@ -5599,8 +5772,8 @@
         </p:nvSpPr>
         <p:spPr>
           <a:xfrm flipH="1">
-            <a:off x="2627257" y="414128"/>
-            <a:ext cx="8386025" cy="461665"/>
+            <a:off x="2780948" y="427814"/>
+            <a:ext cx="8386025" cy="369332"/>
           </a:xfrm>
           <a:prstGeom prst="rect">
             <a:avLst/>
@@ -5614,18 +5787,18 @@
           <a:lstStyle/>
           <a:p>
             <a:r>
-              <a:rPr lang="en-IN" sz="2400" b="1" dirty="0"/>
-              <a:t>3)Log file .</a:t>
+              <a:rPr lang="en-IN" b="1" dirty="0"/>
+              <a:t>2)Request and Response for Get Employee with Id Request for Client Side .</a:t>
             </a:r>
           </a:p>
         </p:txBody>
       </p:sp>
       <p:pic>
         <p:nvPicPr>
-          <p:cNvPr id="8" name="Picture 7">
-            <a:extLst>
-              <a:ext uri="{FF2B5EF4-FFF2-40B4-BE49-F238E27FC236}">
-                <a16:creationId xmlns:a16="http://schemas.microsoft.com/office/drawing/2014/main" id="{1B5ED71F-7A75-2F65-5243-5CC098749A8A}"/>
+          <p:cNvPr id="12" name="Picture 11">
+            <a:extLst>
+              <a:ext uri="{FF2B5EF4-FFF2-40B4-BE49-F238E27FC236}">
+                <a16:creationId xmlns:a16="http://schemas.microsoft.com/office/drawing/2014/main" id="{8A16E8F4-0859-6169-D1B9-690677ACDF07}"/>
               </a:ext>
             </a:extLst>
           </p:cNvPr>
@@ -5648,8 +5821,8 @@
         </p:blipFill>
         <p:spPr>
           <a:xfrm>
-            <a:off x="0" y="1046375"/>
-            <a:ext cx="12192000" cy="5521254"/>
+            <a:off x="112070" y="1224959"/>
+            <a:ext cx="11416542" cy="5295018"/>
           </a:xfrm>
           <a:prstGeom prst="rect">
             <a:avLst/>
@@ -5659,7 +5832,7 @@
     </p:spTree>
     <p:extLst>
       <p:ext uri="{BB962C8B-B14F-4D97-AF65-F5344CB8AC3E}">
-        <p14:creationId xmlns:p14="http://schemas.microsoft.com/office/powerpoint/2010/main" val="2611215130"/>
+        <p14:creationId xmlns:p14="http://schemas.microsoft.com/office/powerpoint/2010/main" val="435718182"/>
       </p:ext>
     </p:extLst>
   </p:cSld>
@@ -5764,12 +5937,47 @@
           </a:prstGeom>
         </p:spPr>
       </p:pic>
+      <p:sp>
+        <p:nvSpPr>
+          <p:cNvPr id="11" name="TextBox 10">
+            <a:extLst>
+              <a:ext uri="{FF2B5EF4-FFF2-40B4-BE49-F238E27FC236}">
+                <a16:creationId xmlns:a16="http://schemas.microsoft.com/office/drawing/2014/main" id="{28838EC5-2A85-70A4-B5A1-6487857242A1}"/>
+              </a:ext>
+            </a:extLst>
+          </p:cNvPr>
+          <p:cNvSpPr txBox="1"/>
+          <p:nvPr/>
+        </p:nvSpPr>
+        <p:spPr>
+          <a:xfrm flipH="1">
+            <a:off x="2627257" y="414128"/>
+            <a:ext cx="8386025" cy="461665"/>
+          </a:xfrm>
+          <a:prstGeom prst="rect">
+            <a:avLst/>
+          </a:prstGeom>
+          <a:noFill/>
+        </p:spPr>
+        <p:txBody>
+          <a:bodyPr wrap="square" rtlCol="0">
+            <a:spAutoFit/>
+          </a:bodyPr>
+          <a:lstStyle/>
+          <a:p>
+            <a:r>
+              <a:rPr lang="en-IN" sz="2400" b="1" dirty="0"/>
+              <a:t>3)Kubernetes instances logs .</a:t>
+            </a:r>
+          </a:p>
+        </p:txBody>
+      </p:sp>
       <p:pic>
         <p:nvPicPr>
-          <p:cNvPr id="7" name="Picture 6">
-            <a:extLst>
-              <a:ext uri="{FF2B5EF4-FFF2-40B4-BE49-F238E27FC236}">
-                <a16:creationId xmlns:a16="http://schemas.microsoft.com/office/drawing/2014/main" id="{5FC4E6E8-E742-4460-1C5E-7CD39CB0D31D}"/>
+          <p:cNvPr id="3" name="Picture 2">
+            <a:extLst>
+              <a:ext uri="{FF2B5EF4-FFF2-40B4-BE49-F238E27FC236}">
+                <a16:creationId xmlns:a16="http://schemas.microsoft.com/office/drawing/2014/main" id="{540D3322-15DE-4E88-6251-E1133DCB5E28}"/>
               </a:ext>
             </a:extLst>
           </p:cNvPr>
@@ -5792,85 +6000,14 @@
         </p:blipFill>
         <p:spPr>
           <a:xfrm>
-            <a:off x="217505" y="1510415"/>
-            <a:ext cx="6801852" cy="4328911"/>
+            <a:off x="141402" y="946149"/>
+            <a:ext cx="11906053" cy="5765735"/>
           </a:xfrm>
           <a:prstGeom prst="rect">
             <a:avLst/>
           </a:prstGeom>
         </p:spPr>
       </p:pic>
-      <p:pic>
-        <p:nvPicPr>
-          <p:cNvPr id="10" name="Picture 9">
-            <a:extLst>
-              <a:ext uri="{FF2B5EF4-FFF2-40B4-BE49-F238E27FC236}">
-                <a16:creationId xmlns:a16="http://schemas.microsoft.com/office/drawing/2014/main" id="{C79B133C-21E6-AC49-9646-FBF8BC33A470}"/>
-              </a:ext>
-            </a:extLst>
-          </p:cNvPr>
-          <p:cNvPicPr>
-            <a:picLocks noChangeAspect="1"/>
-          </p:cNvPicPr>
-          <p:nvPr/>
-        </p:nvPicPr>
-        <p:blipFill>
-          <a:blip r:embed="rId4">
-            <a:extLst>
-              <a:ext uri="{28A0092B-C50C-407E-A947-70E740481C1C}">
-                <a14:useLocalDpi xmlns:a14="http://schemas.microsoft.com/office/drawing/2010/main" val="0"/>
-              </a:ext>
-            </a:extLst>
-          </a:blip>
-          <a:stretch>
-            <a:fillRect/>
-          </a:stretch>
-        </p:blipFill>
-        <p:spPr>
-          <a:xfrm>
-            <a:off x="7019356" y="1289921"/>
-            <a:ext cx="5172643" cy="4822122"/>
-          </a:xfrm>
-          <a:prstGeom prst="rect">
-            <a:avLst/>
-          </a:prstGeom>
-        </p:spPr>
-      </p:pic>
-      <p:sp>
-        <p:nvSpPr>
-          <p:cNvPr id="11" name="TextBox 10">
-            <a:extLst>
-              <a:ext uri="{FF2B5EF4-FFF2-40B4-BE49-F238E27FC236}">
-                <a16:creationId xmlns:a16="http://schemas.microsoft.com/office/drawing/2014/main" id="{28838EC5-2A85-70A4-B5A1-6487857242A1}"/>
-              </a:ext>
-            </a:extLst>
-          </p:cNvPr>
-          <p:cNvSpPr txBox="1"/>
-          <p:nvPr/>
-        </p:nvSpPr>
-        <p:spPr>
-          <a:xfrm flipH="1">
-            <a:off x="2627257" y="414128"/>
-            <a:ext cx="8386025" cy="461665"/>
-          </a:xfrm>
-          <a:prstGeom prst="rect">
-            <a:avLst/>
-          </a:prstGeom>
-          <a:noFill/>
-        </p:spPr>
-        <p:txBody>
-          <a:bodyPr wrap="square" rtlCol="0">
-            <a:spAutoFit/>
-          </a:bodyPr>
-          <a:lstStyle/>
-          <a:p>
-            <a:r>
-              <a:rPr lang="en-IN" sz="2400" b="1" dirty="0"/>
-              <a:t>3)Kubernetes service and instances logs .</a:t>
-            </a:r>
-          </a:p>
-        </p:txBody>
-      </p:sp>
     </p:spTree>
     <p:extLst>
       <p:ext uri="{BB962C8B-B14F-4D97-AF65-F5344CB8AC3E}">
@@ -6017,10 +6154,10 @@
       </p:pic>
       <p:sp>
         <p:nvSpPr>
-          <p:cNvPr id="3" name="TextBox 2">
-            <a:extLst>
-              <a:ext uri="{FF2B5EF4-FFF2-40B4-BE49-F238E27FC236}">
-                <a16:creationId xmlns:a16="http://schemas.microsoft.com/office/drawing/2014/main" id="{215D10D9-815C-1FB0-FFAC-09CABB3E5A24}"/>
+          <p:cNvPr id="2" name="TextBox 1">
+            <a:extLst>
+              <a:ext uri="{FF2B5EF4-FFF2-40B4-BE49-F238E27FC236}">
+                <a16:creationId xmlns:a16="http://schemas.microsoft.com/office/drawing/2014/main" id="{4830034F-047A-9034-7AE3-09199BDFBDB7}"/>
               </a:ext>
             </a:extLst>
           </p:cNvPr>
@@ -6028,9 +6165,9 @@
           <p:nvPr/>
         </p:nvSpPr>
         <p:spPr>
-          <a:xfrm>
-            <a:off x="4656843" y="2714920"/>
-            <a:ext cx="3742441" cy="646331"/>
+          <a:xfrm flipH="1">
+            <a:off x="2627257" y="414128"/>
+            <a:ext cx="8386025" cy="369332"/>
           </a:xfrm>
           <a:prstGeom prst="rect">
             <a:avLst/>
@@ -6044,16 +6181,267 @@
           <a:lstStyle/>
           <a:p>
             <a:r>
-              <a:rPr lang="en-IN" sz="3600" b="1" dirty="0"/>
-              <a:t>Thank You</a:t>
-            </a:r>
-          </a:p>
-        </p:txBody>
-      </p:sp>
+              <a:rPr lang="en-IN" b="1" dirty="0"/>
+              <a:t>4)Request Using Curl Command .</a:t>
+            </a:r>
+          </a:p>
+        </p:txBody>
+      </p:sp>
+      <p:pic>
+        <p:nvPicPr>
+          <p:cNvPr id="7" name="Picture 6">
+            <a:extLst>
+              <a:ext uri="{FF2B5EF4-FFF2-40B4-BE49-F238E27FC236}">
+                <a16:creationId xmlns:a16="http://schemas.microsoft.com/office/drawing/2014/main" id="{6A962786-FF8D-681B-3355-9AB56A6BFE77}"/>
+              </a:ext>
+            </a:extLst>
+          </p:cNvPr>
+          <p:cNvPicPr>
+            <a:picLocks noChangeAspect="1"/>
+          </p:cNvPicPr>
+          <p:nvPr/>
+        </p:nvPicPr>
+        <p:blipFill>
+          <a:blip r:embed="rId4">
+            <a:extLst>
+              <a:ext uri="{28A0092B-C50C-407E-A947-70E740481C1C}">
+                <a14:useLocalDpi xmlns:a14="http://schemas.microsoft.com/office/drawing/2010/main" val="0"/>
+              </a:ext>
+            </a:extLst>
+          </a:blip>
+          <a:stretch>
+            <a:fillRect/>
+          </a:stretch>
+        </p:blipFill>
+        <p:spPr>
+          <a:xfrm>
+            <a:off x="394447" y="1285520"/>
+            <a:ext cx="11586300" cy="5357327"/>
+          </a:xfrm>
+          <a:prstGeom prst="rect">
+            <a:avLst/>
+          </a:prstGeom>
+        </p:spPr>
+      </p:pic>
     </p:spTree>
     <p:extLst>
       <p:ext uri="{BB962C8B-B14F-4D97-AF65-F5344CB8AC3E}">
-        <p14:creationId xmlns:p14="http://schemas.microsoft.com/office/powerpoint/2010/main" val="4233317053"/>
+        <p14:creationId xmlns:p14="http://schemas.microsoft.com/office/powerpoint/2010/main" val="2117713323"/>
+      </p:ext>
+    </p:extLst>
+  </p:cSld>
+  <p:clrMapOvr>
+    <a:masterClrMapping/>
+  </p:clrMapOvr>
+</p:sld>
+</file>
+
+<file path=ppt/slides/slide19.xml><?xml version="1.0" encoding="utf-8"?>
+<p:sld xmlns:a="http://schemas.openxmlformats.org/drawingml/2006/main" xmlns:r="http://schemas.openxmlformats.org/officeDocument/2006/relationships" xmlns:p="http://schemas.openxmlformats.org/presentationml/2006/main">
+  <p:cSld>
+    <p:spTree>
+      <p:nvGrpSpPr>
+        <p:cNvPr id="1" name=""/>
+        <p:cNvGrpSpPr/>
+        <p:nvPr/>
+      </p:nvGrpSpPr>
+      <p:grpSpPr>
+        <a:xfrm>
+          <a:off x="0" y="0"/>
+          <a:ext cx="0" cy="0"/>
+          <a:chOff x="0" y="0"/>
+          <a:chExt cx="0" cy="0"/>
+        </a:xfrm>
+      </p:grpSpPr>
+      <p:pic>
+        <p:nvPicPr>
+          <p:cNvPr id="4" name="Picture 3">
+            <a:extLst>
+              <a:ext uri="{FF2B5EF4-FFF2-40B4-BE49-F238E27FC236}">
+                <a16:creationId xmlns:a16="http://schemas.microsoft.com/office/drawing/2014/main" id="{3893C3C6-E6B4-0EAA-6168-B66B664B265B}"/>
+              </a:ext>
+            </a:extLst>
+          </p:cNvPr>
+          <p:cNvPicPr>
+            <a:picLocks noGrp="1" noRot="1" noChangeAspect="1" noMove="1" noResize="1" noEditPoints="1" noAdjustHandles="1" noChangeArrowheads="1" noChangeShapeType="1" noCrop="1"/>
+          </p:cNvPicPr>
+          <p:nvPr/>
+        </p:nvPicPr>
+        <p:blipFill>
+          <a:blip r:embed="rId2" cstate="email">
+            <a:extLst>
+              <a:ext uri="{28A0092B-C50C-407E-A947-70E740481C1C}">
+                <a14:useLocalDpi xmlns:a14="http://schemas.microsoft.com/office/drawing/2010/main"/>
+              </a:ext>
+            </a:extLst>
+          </a:blip>
+          <a:stretch>
+            <a:fillRect/>
+          </a:stretch>
+        </p:blipFill>
+        <p:spPr>
+          <a:xfrm flipH="1">
+            <a:off x="0" y="0"/>
+            <a:ext cx="12192000" cy="6858000"/>
+          </a:xfrm>
+          <a:prstGeom prst="rect">
+            <a:avLst/>
+          </a:prstGeom>
+        </p:spPr>
+      </p:pic>
+      <p:cxnSp>
+        <p:nvCxnSpPr>
+          <p:cNvPr id="5" name="Straight Connector 4">
+            <a:extLst>
+              <a:ext uri="{FF2B5EF4-FFF2-40B4-BE49-F238E27FC236}">
+                <a16:creationId xmlns:a16="http://schemas.microsoft.com/office/drawing/2014/main" id="{6317BEF4-F659-05B0-B884-5FBC9950BC38}"/>
+              </a:ext>
+            </a:extLst>
+          </p:cNvPr>
+          <p:cNvCxnSpPr>
+            <a:cxnSpLocks/>
+          </p:cNvCxnSpPr>
+          <p:nvPr/>
+        </p:nvCxnSpPr>
+        <p:spPr>
+          <a:xfrm>
+            <a:off x="2404113" y="383848"/>
+            <a:ext cx="0" cy="429893"/>
+          </a:xfrm>
+          <a:prstGeom prst="line">
+            <a:avLst/>
+          </a:prstGeom>
+          <a:ln w="12700">
+            <a:solidFill>
+              <a:srgbClr val="DD4F22"/>
+            </a:solidFill>
+          </a:ln>
+        </p:spPr>
+        <p:style>
+          <a:lnRef idx="1">
+            <a:schemeClr val="accent1"/>
+          </a:lnRef>
+          <a:fillRef idx="0">
+            <a:schemeClr val="accent1"/>
+          </a:fillRef>
+          <a:effectRef idx="0">
+            <a:schemeClr val="accent1"/>
+          </a:effectRef>
+          <a:fontRef idx="minor">
+            <a:schemeClr val="tx1"/>
+          </a:fontRef>
+        </p:style>
+      </p:cxnSp>
+      <p:pic>
+        <p:nvPicPr>
+          <p:cNvPr id="6" name="Picture 5">
+            <a:extLst>
+              <a:ext uri="{FF2B5EF4-FFF2-40B4-BE49-F238E27FC236}">
+                <a16:creationId xmlns:a16="http://schemas.microsoft.com/office/drawing/2014/main" id="{4C8E9BB0-02EA-460A-EDCE-9CB013DFF909}"/>
+              </a:ext>
+            </a:extLst>
+          </p:cNvPr>
+          <p:cNvPicPr>
+            <a:picLocks noGrp="1" noRot="1" noChangeAspect="1" noMove="1" noResize="1" noEditPoints="1" noAdjustHandles="1" noChangeArrowheads="1" noChangeShapeType="1" noCrop="1"/>
+          </p:cNvPicPr>
+          <p:nvPr/>
+        </p:nvPicPr>
+        <p:blipFill>
+          <a:blip r:embed="rId3">
+            <a:extLst>
+              <a:ext uri="{28A0092B-C50C-407E-A947-70E740481C1C}">
+                <a14:useLocalDpi xmlns:a14="http://schemas.microsoft.com/office/drawing/2010/main" val="0"/>
+              </a:ext>
+            </a:extLst>
+          </a:blip>
+          <a:srcRect/>
+          <a:stretch/>
+        </p:blipFill>
+        <p:spPr>
+          <a:xfrm>
+            <a:off x="217505" y="338023"/>
+            <a:ext cx="1963465" cy="521544"/>
+          </a:xfrm>
+          <a:prstGeom prst="rect">
+            <a:avLst/>
+          </a:prstGeom>
+        </p:spPr>
+      </p:pic>
+      <p:sp>
+        <p:nvSpPr>
+          <p:cNvPr id="2" name="TextBox 1">
+            <a:extLst>
+              <a:ext uri="{FF2B5EF4-FFF2-40B4-BE49-F238E27FC236}">
+                <a16:creationId xmlns:a16="http://schemas.microsoft.com/office/drawing/2014/main" id="{4830034F-047A-9034-7AE3-09199BDFBDB7}"/>
+              </a:ext>
+            </a:extLst>
+          </p:cNvPr>
+          <p:cNvSpPr txBox="1"/>
+          <p:nvPr/>
+        </p:nvSpPr>
+        <p:spPr>
+          <a:xfrm flipH="1">
+            <a:off x="2627257" y="414128"/>
+            <a:ext cx="8386025" cy="461665"/>
+          </a:xfrm>
+          <a:prstGeom prst="rect">
+            <a:avLst/>
+          </a:prstGeom>
+          <a:noFill/>
+        </p:spPr>
+        <p:txBody>
+          <a:bodyPr wrap="square" rtlCol="0">
+            <a:spAutoFit/>
+          </a:bodyPr>
+          <a:lstStyle/>
+          <a:p>
+            <a:r>
+              <a:rPr lang="en-IN" sz="2400" b="1" dirty="0"/>
+              <a:t>5)Log file .</a:t>
+            </a:r>
+          </a:p>
+        </p:txBody>
+      </p:sp>
+      <p:pic>
+        <p:nvPicPr>
+          <p:cNvPr id="8" name="Picture 7">
+            <a:extLst>
+              <a:ext uri="{FF2B5EF4-FFF2-40B4-BE49-F238E27FC236}">
+                <a16:creationId xmlns:a16="http://schemas.microsoft.com/office/drawing/2014/main" id="{1B5ED71F-7A75-2F65-5243-5CC098749A8A}"/>
+              </a:ext>
+            </a:extLst>
+          </p:cNvPr>
+          <p:cNvPicPr>
+            <a:picLocks noChangeAspect="1"/>
+          </p:cNvPicPr>
+          <p:nvPr/>
+        </p:nvPicPr>
+        <p:blipFill>
+          <a:blip r:embed="rId4">
+            <a:extLst>
+              <a:ext uri="{28A0092B-C50C-407E-A947-70E740481C1C}">
+                <a14:useLocalDpi xmlns:a14="http://schemas.microsoft.com/office/drawing/2010/main" val="0"/>
+              </a:ext>
+            </a:extLst>
+          </a:blip>
+          <a:stretch>
+            <a:fillRect/>
+          </a:stretch>
+        </p:blipFill>
+        <p:spPr>
+          <a:xfrm>
+            <a:off x="0" y="1046375"/>
+            <a:ext cx="12192000" cy="5521254"/>
+          </a:xfrm>
+          <a:prstGeom prst="rect">
+            <a:avLst/>
+          </a:prstGeom>
+        </p:spPr>
+      </p:pic>
+    </p:spTree>
+    <p:extLst>
+      <p:ext uri="{BB962C8B-B14F-4D97-AF65-F5344CB8AC3E}">
+        <p14:creationId xmlns:p14="http://schemas.microsoft.com/office/powerpoint/2010/main" val="2611215130"/>
       </p:ext>
     </p:extLst>
   </p:cSld>
@@ -6400,6 +6788,185 @@
     <p:extLst>
       <p:ext uri="{BB962C8B-B14F-4D97-AF65-F5344CB8AC3E}">
         <p14:creationId xmlns:p14="http://schemas.microsoft.com/office/powerpoint/2010/main" val="2907023693"/>
+      </p:ext>
+    </p:extLst>
+  </p:cSld>
+  <p:clrMapOvr>
+    <a:masterClrMapping/>
+  </p:clrMapOvr>
+</p:sld>
+</file>
+
+<file path=ppt/slides/slide20.xml><?xml version="1.0" encoding="utf-8"?>
+<p:sld xmlns:a="http://schemas.openxmlformats.org/drawingml/2006/main" xmlns:r="http://schemas.openxmlformats.org/officeDocument/2006/relationships" xmlns:p="http://schemas.openxmlformats.org/presentationml/2006/main">
+  <p:cSld>
+    <p:spTree>
+      <p:nvGrpSpPr>
+        <p:cNvPr id="1" name=""/>
+        <p:cNvGrpSpPr/>
+        <p:nvPr/>
+      </p:nvGrpSpPr>
+      <p:grpSpPr>
+        <a:xfrm>
+          <a:off x="0" y="0"/>
+          <a:ext cx="0" cy="0"/>
+          <a:chOff x="0" y="0"/>
+          <a:chExt cx="0" cy="0"/>
+        </a:xfrm>
+      </p:grpSpPr>
+      <p:pic>
+        <p:nvPicPr>
+          <p:cNvPr id="4" name="Picture 3">
+            <a:extLst>
+              <a:ext uri="{FF2B5EF4-FFF2-40B4-BE49-F238E27FC236}">
+                <a16:creationId xmlns:a16="http://schemas.microsoft.com/office/drawing/2014/main" id="{3893C3C6-E6B4-0EAA-6168-B66B664B265B}"/>
+              </a:ext>
+            </a:extLst>
+          </p:cNvPr>
+          <p:cNvPicPr>
+            <a:picLocks noGrp="1" noRot="1" noChangeAspect="1" noMove="1" noResize="1" noEditPoints="1" noAdjustHandles="1" noChangeArrowheads="1" noChangeShapeType="1" noCrop="1"/>
+          </p:cNvPicPr>
+          <p:nvPr/>
+        </p:nvPicPr>
+        <p:blipFill>
+          <a:blip r:embed="rId2" cstate="email">
+            <a:extLst>
+              <a:ext uri="{28A0092B-C50C-407E-A947-70E740481C1C}">
+                <a14:useLocalDpi xmlns:a14="http://schemas.microsoft.com/office/drawing/2010/main"/>
+              </a:ext>
+            </a:extLst>
+          </a:blip>
+          <a:stretch>
+            <a:fillRect/>
+          </a:stretch>
+        </p:blipFill>
+        <p:spPr>
+          <a:xfrm flipH="1">
+            <a:off x="0" y="0"/>
+            <a:ext cx="12192000" cy="6858000"/>
+          </a:xfrm>
+          <a:prstGeom prst="rect">
+            <a:avLst/>
+          </a:prstGeom>
+        </p:spPr>
+      </p:pic>
+      <p:cxnSp>
+        <p:nvCxnSpPr>
+          <p:cNvPr id="5" name="Straight Connector 4">
+            <a:extLst>
+              <a:ext uri="{FF2B5EF4-FFF2-40B4-BE49-F238E27FC236}">
+                <a16:creationId xmlns:a16="http://schemas.microsoft.com/office/drawing/2014/main" id="{6317BEF4-F659-05B0-B884-5FBC9950BC38}"/>
+              </a:ext>
+            </a:extLst>
+          </p:cNvPr>
+          <p:cNvCxnSpPr>
+            <a:cxnSpLocks/>
+          </p:cNvCxnSpPr>
+          <p:nvPr/>
+        </p:nvCxnSpPr>
+        <p:spPr>
+          <a:xfrm>
+            <a:off x="2404113" y="383848"/>
+            <a:ext cx="0" cy="429893"/>
+          </a:xfrm>
+          <a:prstGeom prst="line">
+            <a:avLst/>
+          </a:prstGeom>
+          <a:ln w="12700">
+            <a:solidFill>
+              <a:srgbClr val="DD4F22"/>
+            </a:solidFill>
+          </a:ln>
+        </p:spPr>
+        <p:style>
+          <a:lnRef idx="1">
+            <a:schemeClr val="accent1"/>
+          </a:lnRef>
+          <a:fillRef idx="0">
+            <a:schemeClr val="accent1"/>
+          </a:fillRef>
+          <a:effectRef idx="0">
+            <a:schemeClr val="accent1"/>
+          </a:effectRef>
+          <a:fontRef idx="minor">
+            <a:schemeClr val="tx1"/>
+          </a:fontRef>
+        </p:style>
+      </p:cxnSp>
+      <p:pic>
+        <p:nvPicPr>
+          <p:cNvPr id="6" name="Picture 5">
+            <a:extLst>
+              <a:ext uri="{FF2B5EF4-FFF2-40B4-BE49-F238E27FC236}">
+                <a16:creationId xmlns:a16="http://schemas.microsoft.com/office/drawing/2014/main" id="{4C8E9BB0-02EA-460A-EDCE-9CB013DFF909}"/>
+              </a:ext>
+            </a:extLst>
+          </p:cNvPr>
+          <p:cNvPicPr>
+            <a:picLocks noGrp="1" noRot="1" noChangeAspect="1" noMove="1" noResize="1" noEditPoints="1" noAdjustHandles="1" noChangeArrowheads="1" noChangeShapeType="1" noCrop="1"/>
+          </p:cNvPicPr>
+          <p:nvPr/>
+        </p:nvPicPr>
+        <p:blipFill>
+          <a:blip r:embed="rId3">
+            <a:extLst>
+              <a:ext uri="{28A0092B-C50C-407E-A947-70E740481C1C}">
+                <a14:useLocalDpi xmlns:a14="http://schemas.microsoft.com/office/drawing/2010/main" val="0"/>
+              </a:ext>
+            </a:extLst>
+          </a:blip>
+          <a:srcRect/>
+          <a:stretch/>
+        </p:blipFill>
+        <p:spPr>
+          <a:xfrm>
+            <a:off x="217505" y="338023"/>
+            <a:ext cx="1963465" cy="521544"/>
+          </a:xfrm>
+          <a:prstGeom prst="rect">
+            <a:avLst/>
+          </a:prstGeom>
+        </p:spPr>
+      </p:pic>
+      <p:sp>
+        <p:nvSpPr>
+          <p:cNvPr id="3" name="TextBox 2">
+            <a:extLst>
+              <a:ext uri="{FF2B5EF4-FFF2-40B4-BE49-F238E27FC236}">
+                <a16:creationId xmlns:a16="http://schemas.microsoft.com/office/drawing/2014/main" id="{215D10D9-815C-1FB0-FFAC-09CABB3E5A24}"/>
+              </a:ext>
+            </a:extLst>
+          </p:cNvPr>
+          <p:cNvSpPr txBox="1"/>
+          <p:nvPr/>
+        </p:nvSpPr>
+        <p:spPr>
+          <a:xfrm>
+            <a:off x="4656843" y="2714920"/>
+            <a:ext cx="3742441" cy="646331"/>
+          </a:xfrm>
+          <a:prstGeom prst="rect">
+            <a:avLst/>
+          </a:prstGeom>
+          <a:noFill/>
+        </p:spPr>
+        <p:txBody>
+          <a:bodyPr wrap="square" rtlCol="0">
+            <a:spAutoFit/>
+          </a:bodyPr>
+          <a:lstStyle/>
+          <a:p>
+            <a:r>
+              <a:rPr lang="en-IN" sz="3600" b="1" dirty="0"/>
+              <a:t>Thank You</a:t>
+            </a:r>
+          </a:p>
+        </p:txBody>
+      </p:sp>
+    </p:spTree>
+    <p:extLst>
+      <p:ext uri="{BB962C8B-B14F-4D97-AF65-F5344CB8AC3E}">
+        <p14:creationId xmlns:p14="http://schemas.microsoft.com/office/powerpoint/2010/main" val="4233317053"/>
       </p:ext>
     </p:extLst>
   </p:cSld>
@@ -6961,7 +7528,7 @@
                 <a:latin typeface="Times New Roman" panose="02020603050405020304" pitchFamily="18" charset="0"/>
                 <a:ea typeface="Arial" panose="020B0604020202020204" pitchFamily="34" charset="0"/>
               </a:rPr>
-              <a:t>To create and Api to retrieve an Employee Data using EmployeeID.</a:t>
+              <a:t>To create an Api to retrieve an Employee Data using EmployeeID.</a:t>
             </a:r>
           </a:p>
           <a:p>
@@ -7733,7 +8300,7 @@
         </p:blipFill>
         <p:spPr>
           <a:xfrm flipH="1">
-            <a:off x="0" y="18088"/>
+            <a:off x="0" y="0"/>
             <a:ext cx="12192000" cy="6858000"/>
           </a:xfrm>
           <a:prstGeom prst="rect">
@@ -7836,7 +8403,7 @@
         <p:spPr>
           <a:xfrm>
             <a:off x="2499360" y="383848"/>
-            <a:ext cx="8818879" cy="482633"/>
+            <a:ext cx="8818879" cy="461665"/>
           </a:xfrm>
           <a:prstGeom prst="rect">
             <a:avLst/>
@@ -7851,11 +8418,6 @@
           </a:bodyPr>
           <a:lstStyle/>
           <a:p>
-            <a:pPr>
-              <a:lnSpc>
-                <a:spcPct val="115000"/>
-              </a:lnSpc>
-            </a:pPr>
             <a:r>
               <a:rPr lang="en-IN" sz="2400" b="1" dirty="0">
                 <a:solidFill>
@@ -7865,7 +8427,7 @@
                 <a:latin typeface="Times New Roman" panose="02020603050405020304" pitchFamily="18" charset="0"/>
                 <a:ea typeface="Arial" panose="020B0604020202020204" pitchFamily="34" charset="0"/>
               </a:rPr>
-              <a:t>Back-end Development</a:t>
+              <a:t>Architecture Design</a:t>
             </a:r>
             <a:endParaRPr lang="en-IN" sz="1400" dirty="0">
               <a:solidFill>
@@ -7880,10 +8442,10 @@
       </p:sp>
       <p:sp>
         <p:nvSpPr>
-          <p:cNvPr id="7" name="TextBox 6">
-            <a:extLst>
-              <a:ext uri="{FF2B5EF4-FFF2-40B4-BE49-F238E27FC236}">
-                <a16:creationId xmlns:a16="http://schemas.microsoft.com/office/drawing/2014/main" id="{02FB6A81-F334-0D76-10FC-F69162C07E4E}"/>
+          <p:cNvPr id="10" name="TextBox 9">
+            <a:extLst>
+              <a:ext uri="{FF2B5EF4-FFF2-40B4-BE49-F238E27FC236}">
+                <a16:creationId xmlns:a16="http://schemas.microsoft.com/office/drawing/2014/main" id="{F71EEDC0-3CC6-66B5-D744-43E72A9CA66B}"/>
               </a:ext>
             </a:extLst>
           </p:cNvPr>
@@ -7892,8 +8454,8 @@
         </p:nvSpPr>
         <p:spPr>
           <a:xfrm>
-            <a:off x="217505" y="1179501"/>
-            <a:ext cx="11254916" cy="5371407"/>
+            <a:off x="550821" y="1243415"/>
+            <a:ext cx="5026660" cy="480901"/>
           </a:xfrm>
           <a:prstGeom prst="rect">
             <a:avLst/>
@@ -7914,235 +8476,60 @@
               <a:buChar char="Ø"/>
             </a:pPr>
             <a:r>
-              <a:rPr lang="en-US" sz="2000" b="1" u="sng" dirty="0">
-                <a:effectLst/>
+              <a:rPr lang="en-US" sz="2400" b="1" u="sng" dirty="0">
                 <a:latin typeface="Arial" panose="020B0604020202020204" pitchFamily="34" charset="0"/>
                 <a:ea typeface="Arial" panose="020B0604020202020204" pitchFamily="34" charset="0"/>
               </a:rPr>
-              <a:t>Steps Followed For All Backend Development.</a:t>
-            </a:r>
-          </a:p>
-          <a:p>
-            <a:pPr marL="342900" indent="-342900" algn="just">
-              <a:lnSpc>
-                <a:spcPct val="115000"/>
-              </a:lnSpc>
-              <a:buFont typeface="Arial" panose="020B0604020202020204" pitchFamily="34" charset="0"/>
-              <a:buChar char="•"/>
-            </a:pPr>
-            <a:r>
-              <a:rPr lang="en-IN" sz="2000" dirty="0">
-                <a:latin typeface="Arial" panose="020B0604020202020204" pitchFamily="34" charset="0"/>
-                <a:ea typeface="Arial" panose="020B0604020202020204" pitchFamily="34" charset="0"/>
-              </a:rPr>
-              <a:t>Firstly Created Spring Boot Project with following specification and dependencies.</a:t>
-            </a:r>
-          </a:p>
-          <a:p>
-            <a:pPr marL="457200" indent="-457200" algn="just">
-              <a:lnSpc>
-                <a:spcPct val="115000"/>
-              </a:lnSpc>
-              <a:buFont typeface="+mj-lt"/>
-              <a:buAutoNum type="arabicPeriod"/>
-            </a:pPr>
-            <a:r>
-              <a:rPr lang="en-IN" sz="2000" dirty="0">
-                <a:effectLst/>
-                <a:latin typeface="Arial" panose="020B0604020202020204" pitchFamily="34" charset="0"/>
-                <a:ea typeface="Arial" panose="020B0604020202020204" pitchFamily="34" charset="0"/>
-              </a:rPr>
-              <a:t>Project :- Gradle</a:t>
-            </a:r>
-          </a:p>
-          <a:p>
-            <a:pPr marL="457200" indent="-457200" algn="just">
-              <a:lnSpc>
-                <a:spcPct val="115000"/>
-              </a:lnSpc>
-              <a:buFont typeface="+mj-lt"/>
-              <a:buAutoNum type="arabicPeriod"/>
-            </a:pPr>
-            <a:r>
-              <a:rPr lang="en-IN" sz="2000" dirty="0">
-                <a:latin typeface="Arial" panose="020B0604020202020204" pitchFamily="34" charset="0"/>
-                <a:ea typeface="Arial" panose="020B0604020202020204" pitchFamily="34" charset="0"/>
-              </a:rPr>
-              <a:t>Language:-Java(17)</a:t>
-            </a:r>
-          </a:p>
-          <a:p>
-            <a:pPr marL="457200" indent="-457200" algn="just">
-              <a:lnSpc>
-                <a:spcPct val="115000"/>
-              </a:lnSpc>
-              <a:buFont typeface="+mj-lt"/>
-              <a:buAutoNum type="arabicPeriod"/>
-            </a:pPr>
-            <a:r>
-              <a:rPr lang="en-IN" sz="2000" dirty="0">
-                <a:effectLst/>
-                <a:latin typeface="Arial" panose="020B0604020202020204" pitchFamily="34" charset="0"/>
-                <a:ea typeface="Arial" panose="020B0604020202020204" pitchFamily="34" charset="0"/>
-              </a:rPr>
-              <a:t>Spring boot version:-2.7.11</a:t>
-            </a:r>
-          </a:p>
-          <a:p>
-            <a:pPr marL="457200" indent="-457200" algn="just">
-              <a:lnSpc>
-                <a:spcPct val="115000"/>
-              </a:lnSpc>
-              <a:buFont typeface="+mj-lt"/>
-              <a:buAutoNum type="arabicPeriod"/>
-            </a:pPr>
-            <a:r>
-              <a:rPr lang="en-IN" sz="2000" dirty="0">
-                <a:latin typeface="Arial" panose="020B0604020202020204" pitchFamily="34" charset="0"/>
-                <a:ea typeface="Arial" panose="020B0604020202020204" pitchFamily="34" charset="0"/>
-              </a:rPr>
-              <a:t>Dependencies:-Spring Web, Lombok, MySQL Driver, JPA Repository .</a:t>
-            </a:r>
-          </a:p>
-          <a:p>
-            <a:pPr algn="just">
-              <a:lnSpc>
-                <a:spcPct val="115000"/>
-              </a:lnSpc>
-            </a:pPr>
-            <a:endParaRPr lang="en-IN" sz="2000" dirty="0">
+              <a:t>Sequence Diagram</a:t>
+            </a:r>
+            <a:endParaRPr lang="en-IN" sz="2400" b="1" u="sng" dirty="0">
               <a:effectLst/>
               <a:latin typeface="Arial" panose="020B0604020202020204" pitchFamily="34" charset="0"/>
               <a:ea typeface="Arial" panose="020B0604020202020204" pitchFamily="34" charset="0"/>
             </a:endParaRPr>
           </a:p>
-          <a:p>
-            <a:pPr marL="342900" indent="-342900" algn="just">
-              <a:lnSpc>
-                <a:spcPct val="115000"/>
-              </a:lnSpc>
-              <a:buFont typeface="Arial" panose="020B0604020202020204" pitchFamily="34" charset="0"/>
-              <a:buChar char="•"/>
-            </a:pPr>
-            <a:r>
-              <a:rPr lang="en-IN" sz="2000" dirty="0">
-                <a:latin typeface="Arial" panose="020B0604020202020204" pitchFamily="34" charset="0"/>
-                <a:ea typeface="Arial" panose="020B0604020202020204" pitchFamily="34" charset="0"/>
-              </a:rPr>
-              <a:t>Then created a Database in MySQL with the Specified </a:t>
-            </a:r>
-          </a:p>
-          <a:p>
-            <a:pPr algn="just">
-              <a:lnSpc>
-                <a:spcPct val="115000"/>
-              </a:lnSpc>
-            </a:pPr>
-            <a:r>
-              <a:rPr lang="en-IN" sz="2000" dirty="0">
-                <a:latin typeface="Arial" panose="020B0604020202020204" pitchFamily="34" charset="0"/>
-                <a:ea typeface="Arial" panose="020B0604020202020204" pitchFamily="34" charset="0"/>
-              </a:rPr>
-              <a:t>Requirements.</a:t>
-            </a:r>
-          </a:p>
-          <a:p>
-            <a:pPr algn="just">
-              <a:lnSpc>
-                <a:spcPct val="115000"/>
-              </a:lnSpc>
-            </a:pPr>
-            <a:r>
-              <a:rPr lang="en-IN" sz="2000" b="1" u="sng" kern="0" dirty="0">
-                <a:effectLst/>
-                <a:latin typeface="Calibri" panose="020F0502020204030204" pitchFamily="34" charset="0"/>
-                <a:ea typeface="Times New Roman" panose="02020603050405020304" pitchFamily="18" charset="0"/>
-              </a:rPr>
-              <a:t>Employee table with columns </a:t>
-            </a:r>
-            <a:r>
-              <a:rPr lang="en-IN" sz="2000" kern="0" dirty="0">
-                <a:effectLst/>
-                <a:latin typeface="Calibri" panose="020F0502020204030204" pitchFamily="34" charset="0"/>
-                <a:ea typeface="Times New Roman" panose="02020603050405020304" pitchFamily="18" charset="0"/>
-              </a:rPr>
-              <a:t>:-EmployeeID, EmployeeName, DateOfBirth</a:t>
-            </a:r>
-            <a:endParaRPr lang="en-IN" sz="2000" dirty="0">
-              <a:effectLst/>
-              <a:latin typeface="Arial" panose="020B0604020202020204" pitchFamily="34" charset="0"/>
-              <a:ea typeface="Arial" panose="020B0604020202020204" pitchFamily="34" charset="0"/>
-            </a:endParaRPr>
-          </a:p>
-          <a:p>
-            <a:pPr algn="just">
-              <a:lnSpc>
-                <a:spcPct val="115000"/>
-              </a:lnSpc>
-            </a:pPr>
-            <a:endParaRPr lang="en-IN" sz="2000" dirty="0">
-              <a:effectLst/>
-              <a:latin typeface="Arial" panose="020B0604020202020204" pitchFamily="34" charset="0"/>
-              <a:ea typeface="Arial" panose="020B0604020202020204" pitchFamily="34" charset="0"/>
-            </a:endParaRPr>
-          </a:p>
-          <a:p>
-            <a:pPr marL="342900" indent="-342900" algn="just">
-              <a:lnSpc>
-                <a:spcPct val="115000"/>
-              </a:lnSpc>
-              <a:buFont typeface="Arial" panose="020B0604020202020204" pitchFamily="34" charset="0"/>
-              <a:buChar char="•"/>
-            </a:pPr>
-            <a:r>
-              <a:rPr lang="en-IN" sz="2000" dirty="0">
-                <a:effectLst/>
-                <a:latin typeface="Arial" panose="020B0604020202020204" pitchFamily="34" charset="0"/>
-                <a:ea typeface="Arial" panose="020B0604020202020204" pitchFamily="34" charset="0"/>
-              </a:rPr>
-              <a:t>Created project Structure with required packages </a:t>
-            </a:r>
-            <a:r>
-              <a:rPr lang="en-IN" sz="2000" dirty="0">
-                <a:latin typeface="Arial" panose="020B0604020202020204" pitchFamily="34" charset="0"/>
-                <a:ea typeface="Arial" panose="020B0604020202020204" pitchFamily="34" charset="0"/>
-              </a:rPr>
-              <a:t>, classes, and interfaces.</a:t>
-            </a:r>
-          </a:p>
-          <a:p>
-            <a:pPr algn="just">
-              <a:lnSpc>
-                <a:spcPct val="115000"/>
-              </a:lnSpc>
-            </a:pPr>
-            <a:endParaRPr lang="en-IN" sz="2000" dirty="0">
-              <a:latin typeface="Arial" panose="020B0604020202020204" pitchFamily="34" charset="0"/>
-              <a:ea typeface="Arial" panose="020B0604020202020204" pitchFamily="34" charset="0"/>
-            </a:endParaRPr>
-          </a:p>
-          <a:p>
-            <a:pPr marL="342900" indent="-342900" algn="just">
-              <a:lnSpc>
-                <a:spcPct val="115000"/>
-              </a:lnSpc>
-              <a:buFont typeface="Arial" panose="020B0604020202020204" pitchFamily="34" charset="0"/>
-              <a:buChar char="•"/>
-            </a:pPr>
-            <a:r>
-              <a:rPr lang="en-IN" sz="2000" dirty="0">
-                <a:latin typeface="Arial" panose="020B0604020202020204" pitchFamily="34" charset="0"/>
-                <a:ea typeface="Arial" panose="020B0604020202020204" pitchFamily="34" charset="0"/>
-              </a:rPr>
-              <a:t>Implementation of the service class and rest controller for required get request for getting Employee with EmployeeID.</a:t>
-            </a:r>
-          </a:p>
-        </p:txBody>
-      </p:sp>
+        </p:txBody>
+      </p:sp>
+      <p:pic>
+        <p:nvPicPr>
+          <p:cNvPr id="9" name="Picture 8">
+            <a:extLst>
+              <a:ext uri="{FF2B5EF4-FFF2-40B4-BE49-F238E27FC236}">
+                <a16:creationId xmlns:a16="http://schemas.microsoft.com/office/drawing/2014/main" id="{0FBFEAB9-04A6-61DF-E366-5228E84AB980}"/>
+              </a:ext>
+            </a:extLst>
+          </p:cNvPr>
+          <p:cNvPicPr>
+            <a:picLocks noChangeAspect="1"/>
+          </p:cNvPicPr>
+          <p:nvPr/>
+        </p:nvPicPr>
+        <p:blipFill>
+          <a:blip r:embed="rId4">
+            <a:extLst>
+              <a:ext uri="{28A0092B-C50C-407E-A947-70E740481C1C}">
+                <a14:useLocalDpi xmlns:a14="http://schemas.microsoft.com/office/drawing/2010/main" val="0"/>
+              </a:ext>
+            </a:extLst>
+          </a:blip>
+          <a:stretch>
+            <a:fillRect/>
+          </a:stretch>
+        </p:blipFill>
+        <p:spPr>
+          <a:xfrm>
+            <a:off x="1740473" y="2025632"/>
+            <a:ext cx="7752319" cy="4531052"/>
+          </a:xfrm>
+          <a:prstGeom prst="rect">
+            <a:avLst/>
+          </a:prstGeom>
+        </p:spPr>
+      </p:pic>
     </p:spTree>
     <p:extLst>
       <p:ext uri="{BB962C8B-B14F-4D97-AF65-F5344CB8AC3E}">
-        <p14:creationId xmlns:p14="http://schemas.microsoft.com/office/powerpoint/2010/main" val="41928864"/>
+        <p14:creationId xmlns:p14="http://schemas.microsoft.com/office/powerpoint/2010/main" val="3959352711"/>
       </p:ext>
     </p:extLst>
   </p:cSld>
@@ -8357,6 +8744,470 @@
         <p:spPr>
           <a:xfrm>
             <a:off x="217505" y="1179501"/>
+            <a:ext cx="11254916" cy="5371407"/>
+          </a:xfrm>
+          <a:prstGeom prst="rect">
+            <a:avLst/>
+          </a:prstGeom>
+          <a:noFill/>
+        </p:spPr>
+        <p:txBody>
+          <a:bodyPr wrap="square">
+            <a:spAutoFit/>
+          </a:bodyPr>
+          <a:lstStyle/>
+          <a:p>
+            <a:pPr marL="342900" indent="-342900" algn="just">
+              <a:lnSpc>
+                <a:spcPct val="115000"/>
+              </a:lnSpc>
+              <a:buFont typeface="Wingdings" panose="05000000000000000000" pitchFamily="2" charset="2"/>
+              <a:buChar char="Ø"/>
+            </a:pPr>
+            <a:r>
+              <a:rPr lang="en-US" sz="2000" b="1" u="sng" dirty="0">
+                <a:effectLst/>
+                <a:latin typeface="Arial" panose="020B0604020202020204" pitchFamily="34" charset="0"/>
+                <a:ea typeface="Arial" panose="020B0604020202020204" pitchFamily="34" charset="0"/>
+              </a:rPr>
+              <a:t>Steps Followed For All Backend Development.</a:t>
+            </a:r>
+          </a:p>
+          <a:p>
+            <a:pPr marL="342900" indent="-342900" algn="just">
+              <a:lnSpc>
+                <a:spcPct val="115000"/>
+              </a:lnSpc>
+              <a:buFont typeface="Arial" panose="020B0604020202020204" pitchFamily="34" charset="0"/>
+              <a:buChar char="•"/>
+            </a:pPr>
+            <a:r>
+              <a:rPr lang="en-IN" sz="2000" dirty="0">
+                <a:latin typeface="Arial" panose="020B0604020202020204" pitchFamily="34" charset="0"/>
+                <a:ea typeface="Arial" panose="020B0604020202020204" pitchFamily="34" charset="0"/>
+              </a:rPr>
+              <a:t>Firstly Created Spring Boot Project with following specification and dependencies.</a:t>
+            </a:r>
+          </a:p>
+          <a:p>
+            <a:pPr marL="457200" indent="-457200" algn="just">
+              <a:lnSpc>
+                <a:spcPct val="115000"/>
+              </a:lnSpc>
+              <a:buFont typeface="+mj-lt"/>
+              <a:buAutoNum type="arabicPeriod"/>
+            </a:pPr>
+            <a:r>
+              <a:rPr lang="en-IN" sz="2000" dirty="0">
+                <a:effectLst/>
+                <a:latin typeface="Arial" panose="020B0604020202020204" pitchFamily="34" charset="0"/>
+                <a:ea typeface="Arial" panose="020B0604020202020204" pitchFamily="34" charset="0"/>
+              </a:rPr>
+              <a:t>Project :- Gradle</a:t>
+            </a:r>
+          </a:p>
+          <a:p>
+            <a:pPr marL="457200" indent="-457200" algn="just">
+              <a:lnSpc>
+                <a:spcPct val="115000"/>
+              </a:lnSpc>
+              <a:buFont typeface="+mj-lt"/>
+              <a:buAutoNum type="arabicPeriod"/>
+            </a:pPr>
+            <a:r>
+              <a:rPr lang="en-IN" sz="2000" dirty="0">
+                <a:latin typeface="Arial" panose="020B0604020202020204" pitchFamily="34" charset="0"/>
+                <a:ea typeface="Arial" panose="020B0604020202020204" pitchFamily="34" charset="0"/>
+              </a:rPr>
+              <a:t>Language:-Java(17)</a:t>
+            </a:r>
+          </a:p>
+          <a:p>
+            <a:pPr marL="457200" indent="-457200" algn="just">
+              <a:lnSpc>
+                <a:spcPct val="115000"/>
+              </a:lnSpc>
+              <a:buFont typeface="+mj-lt"/>
+              <a:buAutoNum type="arabicPeriod"/>
+            </a:pPr>
+            <a:r>
+              <a:rPr lang="en-IN" sz="2000" dirty="0">
+                <a:effectLst/>
+                <a:latin typeface="Arial" panose="020B0604020202020204" pitchFamily="34" charset="0"/>
+                <a:ea typeface="Arial" panose="020B0604020202020204" pitchFamily="34" charset="0"/>
+              </a:rPr>
+              <a:t>Spring boot version:-2.7.11</a:t>
+            </a:r>
+          </a:p>
+          <a:p>
+            <a:pPr marL="457200" indent="-457200" algn="just">
+              <a:lnSpc>
+                <a:spcPct val="115000"/>
+              </a:lnSpc>
+              <a:buFont typeface="+mj-lt"/>
+              <a:buAutoNum type="arabicPeriod"/>
+            </a:pPr>
+            <a:r>
+              <a:rPr lang="en-IN" sz="2000" dirty="0">
+                <a:latin typeface="Arial" panose="020B0604020202020204" pitchFamily="34" charset="0"/>
+                <a:ea typeface="Arial" panose="020B0604020202020204" pitchFamily="34" charset="0"/>
+              </a:rPr>
+              <a:t>Dependencies:-Spring Web, Lombok, MySQL Driver, JPA Repository .</a:t>
+            </a:r>
+          </a:p>
+          <a:p>
+            <a:pPr algn="just">
+              <a:lnSpc>
+                <a:spcPct val="115000"/>
+              </a:lnSpc>
+            </a:pPr>
+            <a:endParaRPr lang="en-IN" sz="2000" dirty="0">
+              <a:effectLst/>
+              <a:latin typeface="Arial" panose="020B0604020202020204" pitchFamily="34" charset="0"/>
+              <a:ea typeface="Arial" panose="020B0604020202020204" pitchFamily="34" charset="0"/>
+            </a:endParaRPr>
+          </a:p>
+          <a:p>
+            <a:pPr marL="342900" indent="-342900" algn="just">
+              <a:lnSpc>
+                <a:spcPct val="115000"/>
+              </a:lnSpc>
+              <a:buFont typeface="Arial" panose="020B0604020202020204" pitchFamily="34" charset="0"/>
+              <a:buChar char="•"/>
+            </a:pPr>
+            <a:r>
+              <a:rPr lang="en-IN" sz="2000" dirty="0">
+                <a:latin typeface="Arial" panose="020B0604020202020204" pitchFamily="34" charset="0"/>
+                <a:ea typeface="Arial" panose="020B0604020202020204" pitchFamily="34" charset="0"/>
+              </a:rPr>
+              <a:t>Then created a Database in MySQL with the Specified </a:t>
+            </a:r>
+          </a:p>
+          <a:p>
+            <a:pPr algn="just">
+              <a:lnSpc>
+                <a:spcPct val="115000"/>
+              </a:lnSpc>
+            </a:pPr>
+            <a:r>
+              <a:rPr lang="en-IN" sz="2000" dirty="0">
+                <a:latin typeface="Arial" panose="020B0604020202020204" pitchFamily="34" charset="0"/>
+                <a:ea typeface="Arial" panose="020B0604020202020204" pitchFamily="34" charset="0"/>
+              </a:rPr>
+              <a:t>Requirements.</a:t>
+            </a:r>
+          </a:p>
+          <a:p>
+            <a:pPr algn="just">
+              <a:lnSpc>
+                <a:spcPct val="115000"/>
+              </a:lnSpc>
+            </a:pPr>
+            <a:r>
+              <a:rPr lang="en-IN" sz="2000" b="1" u="sng" kern="0" dirty="0">
+                <a:effectLst/>
+                <a:latin typeface="Calibri" panose="020F0502020204030204" pitchFamily="34" charset="0"/>
+                <a:ea typeface="Times New Roman" panose="02020603050405020304" pitchFamily="18" charset="0"/>
+              </a:rPr>
+              <a:t>Employee table with columns </a:t>
+            </a:r>
+            <a:r>
+              <a:rPr lang="en-IN" sz="2000" kern="0" dirty="0">
+                <a:effectLst/>
+                <a:latin typeface="Calibri" panose="020F0502020204030204" pitchFamily="34" charset="0"/>
+                <a:ea typeface="Times New Roman" panose="02020603050405020304" pitchFamily="18" charset="0"/>
+              </a:rPr>
+              <a:t>:-EmployeeID, EmployeeName, DateOfBirth</a:t>
+            </a:r>
+            <a:endParaRPr lang="en-IN" sz="2000" dirty="0">
+              <a:effectLst/>
+              <a:latin typeface="Arial" panose="020B0604020202020204" pitchFamily="34" charset="0"/>
+              <a:ea typeface="Arial" panose="020B0604020202020204" pitchFamily="34" charset="0"/>
+            </a:endParaRPr>
+          </a:p>
+          <a:p>
+            <a:pPr algn="just">
+              <a:lnSpc>
+                <a:spcPct val="115000"/>
+              </a:lnSpc>
+            </a:pPr>
+            <a:endParaRPr lang="en-IN" sz="2000" dirty="0">
+              <a:effectLst/>
+              <a:latin typeface="Arial" panose="020B0604020202020204" pitchFamily="34" charset="0"/>
+              <a:ea typeface="Arial" panose="020B0604020202020204" pitchFamily="34" charset="0"/>
+            </a:endParaRPr>
+          </a:p>
+          <a:p>
+            <a:pPr marL="342900" indent="-342900" algn="just">
+              <a:lnSpc>
+                <a:spcPct val="115000"/>
+              </a:lnSpc>
+              <a:buFont typeface="Arial" panose="020B0604020202020204" pitchFamily="34" charset="0"/>
+              <a:buChar char="•"/>
+            </a:pPr>
+            <a:r>
+              <a:rPr lang="en-IN" sz="2000" dirty="0">
+                <a:effectLst/>
+                <a:latin typeface="Arial" panose="020B0604020202020204" pitchFamily="34" charset="0"/>
+                <a:ea typeface="Arial" panose="020B0604020202020204" pitchFamily="34" charset="0"/>
+              </a:rPr>
+              <a:t>Created project Structure with required packages </a:t>
+            </a:r>
+            <a:r>
+              <a:rPr lang="en-IN" sz="2000" dirty="0">
+                <a:latin typeface="Arial" panose="020B0604020202020204" pitchFamily="34" charset="0"/>
+                <a:ea typeface="Arial" panose="020B0604020202020204" pitchFamily="34" charset="0"/>
+              </a:rPr>
+              <a:t>, classes, and interfaces.</a:t>
+            </a:r>
+          </a:p>
+          <a:p>
+            <a:pPr algn="just">
+              <a:lnSpc>
+                <a:spcPct val="115000"/>
+              </a:lnSpc>
+            </a:pPr>
+            <a:endParaRPr lang="en-IN" sz="2000" dirty="0">
+              <a:latin typeface="Arial" panose="020B0604020202020204" pitchFamily="34" charset="0"/>
+              <a:ea typeface="Arial" panose="020B0604020202020204" pitchFamily="34" charset="0"/>
+            </a:endParaRPr>
+          </a:p>
+          <a:p>
+            <a:pPr marL="342900" indent="-342900" algn="just">
+              <a:lnSpc>
+                <a:spcPct val="115000"/>
+              </a:lnSpc>
+              <a:buFont typeface="Arial" panose="020B0604020202020204" pitchFamily="34" charset="0"/>
+              <a:buChar char="•"/>
+            </a:pPr>
+            <a:r>
+              <a:rPr lang="en-IN" sz="2000" dirty="0">
+                <a:latin typeface="Arial" panose="020B0604020202020204" pitchFamily="34" charset="0"/>
+                <a:ea typeface="Arial" panose="020B0604020202020204" pitchFamily="34" charset="0"/>
+              </a:rPr>
+              <a:t>Implementation of the service class and rest controller for required get request for getting Employee with EmployeeID.</a:t>
+            </a:r>
+          </a:p>
+        </p:txBody>
+      </p:sp>
+    </p:spTree>
+    <p:extLst>
+      <p:ext uri="{BB962C8B-B14F-4D97-AF65-F5344CB8AC3E}">
+        <p14:creationId xmlns:p14="http://schemas.microsoft.com/office/powerpoint/2010/main" val="41928864"/>
+      </p:ext>
+    </p:extLst>
+  </p:cSld>
+  <p:clrMapOvr>
+    <a:masterClrMapping/>
+  </p:clrMapOvr>
+</p:sld>
+</file>
+
+<file path=ppt/slides/slide8.xml><?xml version="1.0" encoding="utf-8"?>
+<p:sld xmlns:a="http://schemas.openxmlformats.org/drawingml/2006/main" xmlns:r="http://schemas.openxmlformats.org/officeDocument/2006/relationships" xmlns:p="http://schemas.openxmlformats.org/presentationml/2006/main">
+  <p:cSld>
+    <p:spTree>
+      <p:nvGrpSpPr>
+        <p:cNvPr id="1" name=""/>
+        <p:cNvGrpSpPr/>
+        <p:nvPr/>
+      </p:nvGrpSpPr>
+      <p:grpSpPr>
+        <a:xfrm>
+          <a:off x="0" y="0"/>
+          <a:ext cx="0" cy="0"/>
+          <a:chOff x="0" y="0"/>
+          <a:chExt cx="0" cy="0"/>
+        </a:xfrm>
+      </p:grpSpPr>
+      <p:pic>
+        <p:nvPicPr>
+          <p:cNvPr id="4" name="Picture 3">
+            <a:extLst>
+              <a:ext uri="{FF2B5EF4-FFF2-40B4-BE49-F238E27FC236}">
+                <a16:creationId xmlns:a16="http://schemas.microsoft.com/office/drawing/2014/main" id="{3893C3C6-E6B4-0EAA-6168-B66B664B265B}"/>
+              </a:ext>
+            </a:extLst>
+          </p:cNvPr>
+          <p:cNvPicPr>
+            <a:picLocks noGrp="1" noRot="1" noChangeAspect="1" noMove="1" noResize="1" noEditPoints="1" noAdjustHandles="1" noChangeArrowheads="1" noChangeShapeType="1" noCrop="1"/>
+          </p:cNvPicPr>
+          <p:nvPr/>
+        </p:nvPicPr>
+        <p:blipFill>
+          <a:blip r:embed="rId2" cstate="email">
+            <a:extLst>
+              <a:ext uri="{28A0092B-C50C-407E-A947-70E740481C1C}">
+                <a14:useLocalDpi xmlns:a14="http://schemas.microsoft.com/office/drawing/2010/main"/>
+              </a:ext>
+            </a:extLst>
+          </a:blip>
+          <a:stretch>
+            <a:fillRect/>
+          </a:stretch>
+        </p:blipFill>
+        <p:spPr>
+          <a:xfrm flipH="1">
+            <a:off x="0" y="18088"/>
+            <a:ext cx="12192000" cy="6858000"/>
+          </a:xfrm>
+          <a:prstGeom prst="rect">
+            <a:avLst/>
+          </a:prstGeom>
+        </p:spPr>
+      </p:pic>
+      <p:cxnSp>
+        <p:nvCxnSpPr>
+          <p:cNvPr id="5" name="Straight Connector 4">
+            <a:extLst>
+              <a:ext uri="{FF2B5EF4-FFF2-40B4-BE49-F238E27FC236}">
+                <a16:creationId xmlns:a16="http://schemas.microsoft.com/office/drawing/2014/main" id="{6317BEF4-F659-05B0-B884-5FBC9950BC38}"/>
+              </a:ext>
+            </a:extLst>
+          </p:cNvPr>
+          <p:cNvCxnSpPr>
+            <a:cxnSpLocks/>
+          </p:cNvCxnSpPr>
+          <p:nvPr/>
+        </p:nvCxnSpPr>
+        <p:spPr>
+          <a:xfrm>
+            <a:off x="2404113" y="383848"/>
+            <a:ext cx="0" cy="429893"/>
+          </a:xfrm>
+          <a:prstGeom prst="line">
+            <a:avLst/>
+          </a:prstGeom>
+          <a:ln w="12700">
+            <a:solidFill>
+              <a:srgbClr val="DD4F22"/>
+            </a:solidFill>
+          </a:ln>
+        </p:spPr>
+        <p:style>
+          <a:lnRef idx="1">
+            <a:schemeClr val="accent1"/>
+          </a:lnRef>
+          <a:fillRef idx="0">
+            <a:schemeClr val="accent1"/>
+          </a:fillRef>
+          <a:effectRef idx="0">
+            <a:schemeClr val="accent1"/>
+          </a:effectRef>
+          <a:fontRef idx="minor">
+            <a:schemeClr val="tx1"/>
+          </a:fontRef>
+        </p:style>
+      </p:cxnSp>
+      <p:pic>
+        <p:nvPicPr>
+          <p:cNvPr id="6" name="Picture 5">
+            <a:extLst>
+              <a:ext uri="{FF2B5EF4-FFF2-40B4-BE49-F238E27FC236}">
+                <a16:creationId xmlns:a16="http://schemas.microsoft.com/office/drawing/2014/main" id="{4C8E9BB0-02EA-460A-EDCE-9CB013DFF909}"/>
+              </a:ext>
+            </a:extLst>
+          </p:cNvPr>
+          <p:cNvPicPr>
+            <a:picLocks noGrp="1" noRot="1" noChangeAspect="1" noMove="1" noResize="1" noEditPoints="1" noAdjustHandles="1" noChangeArrowheads="1" noChangeShapeType="1" noCrop="1"/>
+          </p:cNvPicPr>
+          <p:nvPr/>
+        </p:nvPicPr>
+        <p:blipFill>
+          <a:blip r:embed="rId3">
+            <a:extLst>
+              <a:ext uri="{28A0092B-C50C-407E-A947-70E740481C1C}">
+                <a14:useLocalDpi xmlns:a14="http://schemas.microsoft.com/office/drawing/2010/main" val="0"/>
+              </a:ext>
+            </a:extLst>
+          </a:blip>
+          <a:srcRect/>
+          <a:stretch/>
+        </p:blipFill>
+        <p:spPr>
+          <a:xfrm>
+            <a:off x="217505" y="338023"/>
+            <a:ext cx="1963465" cy="521544"/>
+          </a:xfrm>
+          <a:prstGeom prst="rect">
+            <a:avLst/>
+          </a:prstGeom>
+        </p:spPr>
+      </p:pic>
+      <p:sp>
+        <p:nvSpPr>
+          <p:cNvPr id="8" name="TextBox 7">
+            <a:extLst>
+              <a:ext uri="{FF2B5EF4-FFF2-40B4-BE49-F238E27FC236}">
+                <a16:creationId xmlns:a16="http://schemas.microsoft.com/office/drawing/2014/main" id="{83A5D50A-7BF5-47B2-27E6-96AA33171B2B}"/>
+              </a:ext>
+            </a:extLst>
+          </p:cNvPr>
+          <p:cNvSpPr txBox="1">
+            <a:spLocks noGrp="1" noRot="1" noMove="1" noResize="1" noEditPoints="1" noAdjustHandles="1" noChangeArrowheads="1" noChangeShapeType="1"/>
+          </p:cNvSpPr>
+          <p:nvPr/>
+        </p:nvSpPr>
+        <p:spPr>
+          <a:xfrm>
+            <a:off x="2499360" y="383848"/>
+            <a:ext cx="8818879" cy="482633"/>
+          </a:xfrm>
+          <a:prstGeom prst="rect">
+            <a:avLst/>
+          </a:prstGeom>
+          <a:solidFill>
+            <a:srgbClr val="FF6709"/>
+          </a:solidFill>
+        </p:spPr>
+        <p:txBody>
+          <a:bodyPr wrap="square" rtlCol="0">
+            <a:spAutoFit/>
+          </a:bodyPr>
+          <a:lstStyle/>
+          <a:p>
+            <a:pPr>
+              <a:lnSpc>
+                <a:spcPct val="115000"/>
+              </a:lnSpc>
+            </a:pPr>
+            <a:r>
+              <a:rPr lang="en-IN" sz="2400" b="1" dirty="0">
+                <a:solidFill>
+                  <a:schemeClr val="bg1"/>
+                </a:solidFill>
+                <a:effectLst/>
+                <a:latin typeface="Times New Roman" panose="02020603050405020304" pitchFamily="18" charset="0"/>
+                <a:ea typeface="Arial" panose="020B0604020202020204" pitchFamily="34" charset="0"/>
+              </a:rPr>
+              <a:t>Back-end Development</a:t>
+            </a:r>
+            <a:endParaRPr lang="en-IN" sz="1400" dirty="0">
+              <a:solidFill>
+                <a:schemeClr val="bg1"/>
+              </a:solidFill>
+              <a:effectLst/>
+              <a:latin typeface="Arial" panose="020B0604020202020204" pitchFamily="34" charset="0"/>
+              <a:ea typeface="Arial" panose="020B0604020202020204" pitchFamily="34" charset="0"/>
+            </a:endParaRPr>
+          </a:p>
+        </p:txBody>
+      </p:sp>
+      <p:sp>
+        <p:nvSpPr>
+          <p:cNvPr id="7" name="TextBox 6">
+            <a:extLst>
+              <a:ext uri="{FF2B5EF4-FFF2-40B4-BE49-F238E27FC236}">
+                <a16:creationId xmlns:a16="http://schemas.microsoft.com/office/drawing/2014/main" id="{02FB6A81-F334-0D76-10FC-F69162C07E4E}"/>
+              </a:ext>
+            </a:extLst>
+          </p:cNvPr>
+          <p:cNvSpPr txBox="1"/>
+          <p:nvPr/>
+        </p:nvSpPr>
+        <p:spPr>
+          <a:xfrm>
+            <a:off x="217505" y="1179501"/>
             <a:ext cx="10453633" cy="5371407"/>
           </a:xfrm>
           <a:prstGeom prst="rect">
@@ -8576,7 +9427,7 @@
 </p:sld>
 </file>
 
-<file path=ppt/slides/slide8.xml><?xml version="1.0" encoding="utf-8"?>
+<file path=ppt/slides/slide9.xml><?xml version="1.0" encoding="utf-8"?>
 <p:sld xmlns:a="http://schemas.openxmlformats.org/drawingml/2006/main" xmlns:r="http://schemas.openxmlformats.org/officeDocument/2006/relationships" xmlns:p="http://schemas.openxmlformats.org/presentationml/2006/main">
   <p:cSld>
     <p:bg>
@@ -9429,312 +10280,6 @@
   </p:cSld>
   <p:clrMapOvr>
     <a:overrideClrMapping bg1="lt1" tx1="dk1" bg2="lt2" tx2="dk2" accent1="accent1" accent2="accent2" accent3="accent3" accent4="accent4" accent5="accent5" accent6="accent6" hlink="hlink" folHlink="folHlink"/>
-  </p:clrMapOvr>
-</p:sld>
-</file>
-
-<file path=ppt/slides/slide9.xml><?xml version="1.0" encoding="utf-8"?>
-<p:sld xmlns:a="http://schemas.openxmlformats.org/drawingml/2006/main" xmlns:r="http://schemas.openxmlformats.org/officeDocument/2006/relationships" xmlns:p="http://schemas.openxmlformats.org/presentationml/2006/main">
-  <p:cSld>
-    <p:spTree>
-      <p:nvGrpSpPr>
-        <p:cNvPr id="1" name=""/>
-        <p:cNvGrpSpPr/>
-        <p:nvPr/>
-      </p:nvGrpSpPr>
-      <p:grpSpPr>
-        <a:xfrm>
-          <a:off x="0" y="0"/>
-          <a:ext cx="0" cy="0"/>
-          <a:chOff x="0" y="0"/>
-          <a:chExt cx="0" cy="0"/>
-        </a:xfrm>
-      </p:grpSpPr>
-      <p:pic>
-        <p:nvPicPr>
-          <p:cNvPr id="4" name="Picture 3">
-            <a:extLst>
-              <a:ext uri="{FF2B5EF4-FFF2-40B4-BE49-F238E27FC236}">
-                <a16:creationId xmlns:a16="http://schemas.microsoft.com/office/drawing/2014/main" id="{3893C3C6-E6B4-0EAA-6168-B66B664B265B}"/>
-              </a:ext>
-            </a:extLst>
-          </p:cNvPr>
-          <p:cNvPicPr>
-            <a:picLocks noGrp="1" noRot="1" noChangeAspect="1" noMove="1" noResize="1" noEditPoints="1" noAdjustHandles="1" noChangeArrowheads="1" noChangeShapeType="1" noCrop="1"/>
-          </p:cNvPicPr>
-          <p:nvPr/>
-        </p:nvPicPr>
-        <p:blipFill>
-          <a:blip r:embed="rId2" cstate="email">
-            <a:extLst>
-              <a:ext uri="{28A0092B-C50C-407E-A947-70E740481C1C}">
-                <a14:useLocalDpi xmlns:a14="http://schemas.microsoft.com/office/drawing/2010/main"/>
-              </a:ext>
-            </a:extLst>
-          </a:blip>
-          <a:stretch>
-            <a:fillRect/>
-          </a:stretch>
-        </p:blipFill>
-        <p:spPr>
-          <a:xfrm flipH="1">
-            <a:off x="0" y="0"/>
-            <a:ext cx="12192000" cy="6858000"/>
-          </a:xfrm>
-          <a:prstGeom prst="rect">
-            <a:avLst/>
-          </a:prstGeom>
-        </p:spPr>
-      </p:pic>
-      <p:cxnSp>
-        <p:nvCxnSpPr>
-          <p:cNvPr id="5" name="Straight Connector 4">
-            <a:extLst>
-              <a:ext uri="{FF2B5EF4-FFF2-40B4-BE49-F238E27FC236}">
-                <a16:creationId xmlns:a16="http://schemas.microsoft.com/office/drawing/2014/main" id="{6317BEF4-F659-05B0-B884-5FBC9950BC38}"/>
-              </a:ext>
-            </a:extLst>
-          </p:cNvPr>
-          <p:cNvCxnSpPr>
-            <a:cxnSpLocks/>
-          </p:cNvCxnSpPr>
-          <p:nvPr/>
-        </p:nvCxnSpPr>
-        <p:spPr>
-          <a:xfrm>
-            <a:off x="2404113" y="383848"/>
-            <a:ext cx="0" cy="429893"/>
-          </a:xfrm>
-          <a:prstGeom prst="line">
-            <a:avLst/>
-          </a:prstGeom>
-          <a:ln w="12700">
-            <a:solidFill>
-              <a:srgbClr val="DD4F22"/>
-            </a:solidFill>
-          </a:ln>
-        </p:spPr>
-        <p:style>
-          <a:lnRef idx="1">
-            <a:schemeClr val="accent1"/>
-          </a:lnRef>
-          <a:fillRef idx="0">
-            <a:schemeClr val="accent1"/>
-          </a:fillRef>
-          <a:effectRef idx="0">
-            <a:schemeClr val="accent1"/>
-          </a:effectRef>
-          <a:fontRef idx="minor">
-            <a:schemeClr val="tx1"/>
-          </a:fontRef>
-        </p:style>
-      </p:cxnSp>
-      <p:pic>
-        <p:nvPicPr>
-          <p:cNvPr id="6" name="Picture 5">
-            <a:extLst>
-              <a:ext uri="{FF2B5EF4-FFF2-40B4-BE49-F238E27FC236}">
-                <a16:creationId xmlns:a16="http://schemas.microsoft.com/office/drawing/2014/main" id="{4C8E9BB0-02EA-460A-EDCE-9CB013DFF909}"/>
-              </a:ext>
-            </a:extLst>
-          </p:cNvPr>
-          <p:cNvPicPr>
-            <a:picLocks noGrp="1" noRot="1" noChangeAspect="1" noMove="1" noResize="1" noEditPoints="1" noAdjustHandles="1" noChangeArrowheads="1" noChangeShapeType="1" noCrop="1"/>
-          </p:cNvPicPr>
-          <p:nvPr/>
-        </p:nvPicPr>
-        <p:blipFill>
-          <a:blip r:embed="rId3">
-            <a:extLst>
-              <a:ext uri="{28A0092B-C50C-407E-A947-70E740481C1C}">
-                <a14:useLocalDpi xmlns:a14="http://schemas.microsoft.com/office/drawing/2010/main" val="0"/>
-              </a:ext>
-            </a:extLst>
-          </a:blip>
-          <a:srcRect/>
-          <a:stretch/>
-        </p:blipFill>
-        <p:spPr>
-          <a:xfrm>
-            <a:off x="217505" y="338023"/>
-            <a:ext cx="1963465" cy="521544"/>
-          </a:xfrm>
-          <a:prstGeom prst="rect">
-            <a:avLst/>
-          </a:prstGeom>
-        </p:spPr>
-      </p:pic>
-      <p:sp>
-        <p:nvSpPr>
-          <p:cNvPr id="8" name="TextBox 7">
-            <a:extLst>
-              <a:ext uri="{FF2B5EF4-FFF2-40B4-BE49-F238E27FC236}">
-                <a16:creationId xmlns:a16="http://schemas.microsoft.com/office/drawing/2014/main" id="{83A5D50A-7BF5-47B2-27E6-96AA33171B2B}"/>
-              </a:ext>
-            </a:extLst>
-          </p:cNvPr>
-          <p:cNvSpPr txBox="1">
-            <a:spLocks noGrp="1" noRot="1" noMove="1" noResize="1" noEditPoints="1" noAdjustHandles="1" noChangeArrowheads="1" noChangeShapeType="1"/>
-          </p:cNvSpPr>
-          <p:nvPr/>
-        </p:nvSpPr>
-        <p:spPr>
-          <a:xfrm>
-            <a:off x="2499360" y="383848"/>
-            <a:ext cx="8818879" cy="483017"/>
-          </a:xfrm>
-          <a:prstGeom prst="rect">
-            <a:avLst/>
-          </a:prstGeom>
-          <a:solidFill>
-            <a:srgbClr val="FF6709"/>
-          </a:solidFill>
-        </p:spPr>
-        <p:txBody>
-          <a:bodyPr wrap="square" rtlCol="0">
-            <a:spAutoFit/>
-          </a:bodyPr>
-          <a:lstStyle/>
-          <a:p>
-            <a:pPr>
-              <a:lnSpc>
-                <a:spcPct val="115000"/>
-              </a:lnSpc>
-            </a:pPr>
-            <a:r>
-              <a:rPr lang="en-IN" sz="2400" b="1" dirty="0">
-                <a:solidFill>
-                  <a:schemeClr val="bg1"/>
-                </a:solidFill>
-                <a:latin typeface="Times New Roman" panose="02020603050405020304" pitchFamily="18" charset="0"/>
-              </a:rPr>
-              <a:t>Deployment</a:t>
-            </a:r>
-          </a:p>
-        </p:txBody>
-      </p:sp>
-      <p:sp>
-        <p:nvSpPr>
-          <p:cNvPr id="7" name="TextBox 6">
-            <a:extLst>
-              <a:ext uri="{FF2B5EF4-FFF2-40B4-BE49-F238E27FC236}">
-                <a16:creationId xmlns:a16="http://schemas.microsoft.com/office/drawing/2014/main" id="{4E34D14B-9278-1F90-25E3-1FABACE2AC59}"/>
-              </a:ext>
-            </a:extLst>
-          </p:cNvPr>
-          <p:cNvSpPr txBox="1"/>
-          <p:nvPr/>
-        </p:nvSpPr>
-        <p:spPr>
-          <a:xfrm>
-            <a:off x="490220" y="1349647"/>
-            <a:ext cx="5026660" cy="318998"/>
-          </a:xfrm>
-          <a:prstGeom prst="rect">
-            <a:avLst/>
-          </a:prstGeom>
-          <a:noFill/>
-        </p:spPr>
-        <p:txBody>
-          <a:bodyPr wrap="square">
-            <a:spAutoFit/>
-          </a:bodyPr>
-          <a:lstStyle/>
-          <a:p>
-            <a:pPr algn="just">
-              <a:lnSpc>
-                <a:spcPct val="115000"/>
-              </a:lnSpc>
-            </a:pPr>
-            <a:endParaRPr lang="en-IN" sz="1400" dirty="0">
-              <a:effectLst/>
-              <a:latin typeface="Arial" panose="020B0604020202020204" pitchFamily="34" charset="0"/>
-              <a:ea typeface="Arial" panose="020B0604020202020204" pitchFamily="34" charset="0"/>
-            </a:endParaRPr>
-          </a:p>
-        </p:txBody>
-      </p:sp>
-      <p:sp>
-        <p:nvSpPr>
-          <p:cNvPr id="2" name="TextBox 1">
-            <a:extLst>
-              <a:ext uri="{FF2B5EF4-FFF2-40B4-BE49-F238E27FC236}">
-                <a16:creationId xmlns:a16="http://schemas.microsoft.com/office/drawing/2014/main" id="{A3181E57-841F-4812-3551-80AF4974A4AC}"/>
-              </a:ext>
-            </a:extLst>
-          </p:cNvPr>
-          <p:cNvSpPr txBox="1"/>
-          <p:nvPr/>
-        </p:nvSpPr>
-        <p:spPr>
-          <a:xfrm>
-            <a:off x="367553" y="950259"/>
-            <a:ext cx="8444752" cy="584775"/>
-          </a:xfrm>
-          <a:prstGeom prst="rect">
-            <a:avLst/>
-          </a:prstGeom>
-          <a:noFill/>
-        </p:spPr>
-        <p:txBody>
-          <a:bodyPr wrap="square" rtlCol="0">
-            <a:spAutoFit/>
-          </a:bodyPr>
-          <a:lstStyle/>
-          <a:p>
-            <a:r>
-              <a:rPr lang="en-US" sz="3200" b="1" u="sng" dirty="0"/>
-              <a:t>Jenkins Pipeline Flow</a:t>
-            </a:r>
-            <a:endParaRPr lang="en-IN" sz="3200" b="1" u="sng" dirty="0"/>
-          </a:p>
-        </p:txBody>
-      </p:sp>
-      <p:pic>
-        <p:nvPicPr>
-          <p:cNvPr id="9" name="Picture 8">
-            <a:extLst>
-              <a:ext uri="{FF2B5EF4-FFF2-40B4-BE49-F238E27FC236}">
-                <a16:creationId xmlns:a16="http://schemas.microsoft.com/office/drawing/2014/main" id="{5F07AF7D-44D2-6F4B-A976-6C15A761E880}"/>
-              </a:ext>
-            </a:extLst>
-          </p:cNvPr>
-          <p:cNvPicPr>
-            <a:picLocks noChangeAspect="1"/>
-          </p:cNvPicPr>
-          <p:nvPr/>
-        </p:nvPicPr>
-        <p:blipFill>
-          <a:blip r:embed="rId4">
-            <a:extLst>
-              <a:ext uri="{28A0092B-C50C-407E-A947-70E740481C1C}">
-                <a14:useLocalDpi xmlns:a14="http://schemas.microsoft.com/office/drawing/2010/main" val="0"/>
-              </a:ext>
-            </a:extLst>
-          </a:blip>
-          <a:stretch>
-            <a:fillRect/>
-          </a:stretch>
-        </p:blipFill>
-        <p:spPr>
-          <a:xfrm>
-            <a:off x="896470" y="1498350"/>
-            <a:ext cx="9968754" cy="4975802"/>
-          </a:xfrm>
-          <a:prstGeom prst="rect">
-            <a:avLst/>
-          </a:prstGeom>
-        </p:spPr>
-      </p:pic>
-    </p:spTree>
-    <p:extLst>
-      <p:ext uri="{BB962C8B-B14F-4D97-AF65-F5344CB8AC3E}">
-        <p14:creationId xmlns:p14="http://schemas.microsoft.com/office/powerpoint/2010/main" val="722411421"/>
-      </p:ext>
-    </p:extLst>
-  </p:cSld>
-  <p:clrMapOvr>
-    <a:masterClrMapping/>
   </p:clrMapOvr>
 </p:sld>
 </file>
